--- a/presentations/Session_7_SC_Discovery_LB.pptx
+++ b/presentations/Session_7_SC_Discovery_LB.pptx
@@ -145,6 +145,20 @@
         </p14:section>
       </p14:sectionLst>
     </p:ext>
+    <p:ext uri="{EFAFB233-063F-42B5-8137-9DF3F51BA10A}">
+      <p15:sldGuideLst xmlns:p15="http://schemas.microsoft.com/office/powerpoint/2012/main">
+        <p15:guide id="1" orient="horz" pos="1620">
+          <p15:clr>
+            <a:srgbClr val="A4A3A4"/>
+          </p15:clr>
+        </p15:guide>
+        <p15:guide id="2" pos="2880">
+          <p15:clr>
+            <a:srgbClr val="A4A3A4"/>
+          </p15:clr>
+        </p15:guide>
+      </p15:sldGuideLst>
+    </p:ext>
   </p:extLst>
 </p:presentation>
 </file>
@@ -231,7 +245,7 @@
           <a:p>
             <a:fld id="{372E5B6B-8713-8747-AE5B-F1241B2BF5F0}" type="datetimeFigureOut">
               <a:rPr lang="en-US" smtClean="0"/>
-              <a:t>11/1/17</a:t>
+              <a:t>7/18/18</a:t>
             </a:fld>
             <a:endParaRPr lang="en-US"/>
           </a:p>
@@ -397,7 +411,7 @@
           <a:p>
             <a:fld id="{7E7B7340-DDD5-1B49-81AA-25BC4050C073}" type="datetimeFigureOut">
               <a:rPr lang="en-US" smtClean="0"/>
-              <a:t>11/1/17</a:t>
+              <a:t>7/18/18</a:t>
             </a:fld>
             <a:endParaRPr lang="en-US"/>
           </a:p>
@@ -461,38 +475,37 @@
           <a:p>
             <a:pPr lvl="0"/>
             <a:r>
-              <a:rPr lang="en-US" smtClean="0"/>
+              <a:rPr lang="en-US"/>
               <a:t>Click to edit Master text styles</a:t>
             </a:r>
           </a:p>
           <a:p>
             <a:pPr lvl="1"/>
             <a:r>
-              <a:rPr lang="en-US" smtClean="0"/>
+              <a:rPr lang="en-US"/>
               <a:t>Second level</a:t>
             </a:r>
           </a:p>
           <a:p>
             <a:pPr lvl="2"/>
             <a:r>
-              <a:rPr lang="en-US" smtClean="0"/>
+              <a:rPr lang="en-US"/>
               <a:t>Third level</a:t>
             </a:r>
           </a:p>
           <a:p>
             <a:pPr lvl="3"/>
             <a:r>
-              <a:rPr lang="en-US" smtClean="0"/>
+              <a:rPr lang="en-US"/>
               <a:t>Fourth level</a:t>
             </a:r>
           </a:p>
           <a:p>
             <a:pPr lvl="4"/>
             <a:r>
-              <a:rPr lang="en-US" smtClean="0"/>
+              <a:rPr lang="en-US"/>
               <a:t>Fifth level</a:t>
             </a:r>
-            <a:endParaRPr lang="en-US"/>
           </a:p>
         </p:txBody>
       </p:sp>
@@ -711,11 +724,11 @@
           <a:lstStyle/>
           <a:p>
             <a:r>
-              <a:rPr lang="en-US" dirty="0" smtClean="0"/>
+              <a:rPr lang="en-US" dirty="0"/>
               <a:t>Resting slide</a:t>
             </a:r>
             <a:r>
-              <a:rPr lang="en-US" baseline="0" dirty="0" smtClean="0"/>
+              <a:rPr lang="en-US" baseline="0" dirty="0"/>
               <a:t> on screen before you begin presenting.</a:t>
             </a:r>
             <a:endParaRPr lang="en-US" dirty="0"/>
@@ -1039,22 +1052,21 @@
           <a:lstStyle/>
           <a:p>
             <a:r>
-              <a:rPr lang="en-US" dirty="0" smtClean="0"/>
+              <a:rPr lang="en-US" dirty="0"/>
               <a:t>Service Discovery is one of the key tenets of a microservice based architecture.</a:t>
             </a:r>
           </a:p>
           <a:p>
             <a:r>
-              <a:rPr lang="en-US" dirty="0" smtClean="0"/>
+              <a:rPr lang="en-US" dirty="0"/>
               <a:t>In distributed systems, application dependencies cease to be a method call away.</a:t>
             </a:r>
           </a:p>
           <a:p>
             <a:r>
-              <a:rPr lang="en-US" dirty="0" smtClean="0"/>
+              <a:rPr lang="en-US" dirty="0"/>
               <a:t>Trying to hand configure each client or use some form of convention can be very difficult to do and can be very brittle.</a:t>
             </a:r>
-            <a:endParaRPr lang="en-US" dirty="0"/>
           </a:p>
         </p:txBody>
       </p:sp>
@@ -1139,16 +1151,15 @@
           <a:lstStyle/>
           <a:p>
             <a:r>
-              <a:rPr lang="en-US" dirty="0" smtClean="0"/>
+              <a:rPr lang="en-US" dirty="0"/>
               <a:t>Service instances in the registry all have to send heartbeats to keep their registrations up to date</a:t>
             </a:r>
           </a:p>
           <a:p>
             <a:r>
-              <a:rPr lang="en-US" dirty="0" smtClean="0"/>
+              <a:rPr lang="en-US" dirty="0"/>
               <a:t>Clients also have an in-memory cache of eureka registrations (so they don’t have to go to the registry for every single request to a service)</a:t>
             </a:r>
-            <a:endParaRPr lang="en-US" dirty="0"/>
           </a:p>
         </p:txBody>
       </p:sp>
@@ -1401,7 +1412,7 @@
           <a:lstStyle/>
           <a:p>
             <a:r>
-              <a:rPr lang="en-US" sz="1200" b="1" kern="1200" dirty="0" smtClean="0">
+              <a:rPr lang="en-US" sz="1200" b="1" kern="1200" dirty="0">
                 <a:solidFill>
                   <a:schemeClr val="tx1"/>
                 </a:solidFill>
@@ -1413,7 +1424,7 @@
               <a:t>The server is easily embeddable in a Spring Boot application using </a:t>
             </a:r>
             <a:r>
-              <a:rPr lang="en-US" sz="1200" b="1" kern="1200" dirty="0" err="1" smtClean="0">
+              <a:rPr lang="en-US" sz="1200" b="1" kern="1200" dirty="0" err="1">
                 <a:solidFill>
                   <a:schemeClr val="tx1"/>
                 </a:solidFill>
@@ -1425,7 +1436,7 @@
               <a:t>the@EnableConfigServer</a:t>
             </a:r>
             <a:r>
-              <a:rPr lang="en-US" sz="1200" b="1" kern="1200" dirty="0" smtClean="0">
+              <a:rPr lang="en-US" sz="1200" b="1" kern="1200" dirty="0">
                 <a:solidFill>
                   <a:schemeClr val="tx1"/>
                 </a:solidFill>
@@ -1436,7 +1447,7 @@
               </a:rPr>
               <a:t> annotation.</a:t>
             </a:r>
-            <a:endParaRPr lang="en-US" sz="1200" kern="1200" dirty="0" smtClean="0">
+            <a:endParaRPr lang="en-US" sz="1200" kern="1200" dirty="0">
               <a:solidFill>
                 <a:schemeClr val="tx1"/>
               </a:solidFill>
@@ -1447,12 +1458,12 @@
             </a:endParaRPr>
           </a:p>
           <a:p>
-            <a:endParaRPr lang="en-US" dirty="0" smtClean="0"/>
+            <a:endParaRPr lang="en-US" dirty="0"/>
           </a:p>
           <a:p>
             <a:pPr lvl="0" fontAlgn="base"/>
             <a:r>
-              <a:rPr lang="en-US" sz="1200" b="1" kern="1200" dirty="0" smtClean="0">
+              <a:rPr lang="en-US" sz="1200" b="1" kern="1200" dirty="0">
                 <a:solidFill>
                   <a:schemeClr val="tx1"/>
                 </a:solidFill>
@@ -1463,7 +1474,7 @@
               </a:rPr>
               <a:t>Application configuration data is stored in a backend</a:t>
             </a:r>
-            <a:endParaRPr lang="en-US" sz="1200" kern="1200" dirty="0" smtClean="0">
+            <a:endParaRPr lang="en-US" sz="1200" kern="1200" dirty="0">
               <a:solidFill>
                 <a:schemeClr val="tx1"/>
               </a:solidFill>
@@ -1476,7 +1487,7 @@
           <a:p>
             <a:pPr lvl="0" fontAlgn="base"/>
             <a:r>
-              <a:rPr lang="en-US" sz="1200" b="1" kern="1200" dirty="0" smtClean="0">
+              <a:rPr lang="en-US" sz="1200" b="1" kern="1200" dirty="0">
                 <a:solidFill>
                   <a:schemeClr val="tx1"/>
                 </a:solidFill>
@@ -1488,7 +1499,7 @@
               <a:t>Git, Subversion and File System </a:t>
             </a:r>
             <a:r>
-              <a:rPr lang="en-US" sz="1200" b="1" kern="1200" dirty="0" err="1" smtClean="0">
+              <a:rPr lang="en-US" sz="1200" b="1" kern="1200" dirty="0" err="1">
                 <a:solidFill>
                   <a:schemeClr val="tx1"/>
                 </a:solidFill>
@@ -1500,7 +1511,7 @@
               <a:t>backends</a:t>
             </a:r>
             <a:r>
-              <a:rPr lang="en-US" sz="1200" b="1" kern="1200" dirty="0" smtClean="0">
+              <a:rPr lang="en-US" sz="1200" b="1" kern="1200" dirty="0">
                 <a:solidFill>
                   <a:schemeClr val="tx1"/>
                 </a:solidFill>
@@ -1511,7 +1522,7 @@
               </a:rPr>
               <a:t> are supported</a:t>
             </a:r>
-            <a:endParaRPr lang="en-US" sz="1200" kern="1200" dirty="0" smtClean="0">
+            <a:endParaRPr lang="en-US" sz="1200" kern="1200" dirty="0">
               <a:solidFill>
                 <a:schemeClr val="tx1"/>
               </a:solidFill>
@@ -1524,7 +1535,7 @@
           <a:p>
             <a:pPr lvl="0" fontAlgn="base"/>
             <a:r>
-              <a:rPr lang="en-US" sz="1200" b="1" kern="1200" dirty="0" smtClean="0">
+              <a:rPr lang="en-US" sz="1200" b="1" kern="1200" dirty="0">
                 <a:solidFill>
                   <a:schemeClr val="tx1"/>
                 </a:solidFill>
@@ -1535,7 +1546,7 @@
               </a:rPr>
               <a:t>Git is the default backend. It's great for auditing changes and managing upgrades</a:t>
             </a:r>
-            <a:endParaRPr lang="en-US" sz="1200" kern="1200" dirty="0" smtClean="0">
+            <a:endParaRPr lang="en-US" sz="1200" kern="1200" dirty="0">
               <a:solidFill>
                 <a:schemeClr val="tx1"/>
               </a:solidFill>
@@ -1548,7 +1559,7 @@
           <a:p>
             <a:pPr lvl="0" fontAlgn="base"/>
             <a:r>
-              <a:rPr lang="en-US" sz="1200" b="1" kern="1200" dirty="0" smtClean="0">
+              <a:rPr lang="en-US" sz="1200" b="1" kern="1200" dirty="0">
                 <a:solidFill>
                   <a:schemeClr val="tx1"/>
                 </a:solidFill>
@@ -1560,7 +1571,7 @@
               <a:t>Setting the git backend is done via the </a:t>
             </a:r>
             <a:r>
-              <a:rPr lang="en-US" sz="1200" b="1" kern="1200" dirty="0" err="1" smtClean="0">
+              <a:rPr lang="en-US" sz="1200" b="1" kern="1200" dirty="0" err="1">
                 <a:solidFill>
                   <a:schemeClr val="tx1"/>
                 </a:solidFill>
@@ -1572,7 +1583,7 @@
               <a:t>spring.cloud.config.server.git.uriconfiguration</a:t>
             </a:r>
             <a:r>
-              <a:rPr lang="en-US" sz="1200" b="1" kern="1200" dirty="0" smtClean="0">
+              <a:rPr lang="en-US" sz="1200" b="1" kern="1200" dirty="0">
                 <a:solidFill>
                   <a:schemeClr val="tx1"/>
                 </a:solidFill>
@@ -1586,7 +1597,7 @@
           </a:p>
           <a:p>
             <a:pPr lvl="0" fontAlgn="base"/>
-            <a:endParaRPr lang="en-US" sz="1200" b="1" kern="1200" dirty="0" smtClean="0">
+            <a:endParaRPr lang="en-US" sz="1200" b="1" kern="1200" dirty="0">
               <a:solidFill>
                 <a:schemeClr val="tx1"/>
               </a:solidFill>
@@ -1598,7 +1609,7 @@
           </a:p>
           <a:p>
             <a:pPr lvl="0" fontAlgn="base"/>
-            <a:endParaRPr lang="en-US" sz="1200" kern="1200" dirty="0" smtClean="0">
+            <a:endParaRPr lang="en-US" sz="1200" kern="1200" dirty="0">
               <a:solidFill>
                 <a:schemeClr val="tx1"/>
               </a:solidFill>
@@ -1610,7 +1621,7 @@
           </a:p>
           <a:p>
             <a:r>
-              <a:rPr lang="en-US" sz="1200" kern="1200" dirty="0" smtClean="0">
+              <a:rPr lang="en-US" sz="1200" kern="1200" dirty="0">
                 <a:solidFill>
                   <a:schemeClr val="tx1"/>
                 </a:solidFill>
@@ -1795,7 +1806,7 @@
           <a:lstStyle/>
           <a:p>
             <a:r>
-              <a:rPr lang="en-US" sz="1200" u="sng" kern="1200" dirty="0" smtClean="0">
+              <a:rPr lang="en-US" sz="1200" u="sng" kern="1200" dirty="0">
                 <a:solidFill>
                   <a:schemeClr val="tx1"/>
                 </a:solidFill>
@@ -1808,7 +1819,7 @@
               <a:t>Netflix uses Zuul</a:t>
             </a:r>
             <a:r>
-              <a:rPr lang="en-US" sz="1200" kern="1200" dirty="0" smtClean="0">
+              <a:rPr lang="en-US" sz="1200" kern="1200" dirty="0">
                 <a:solidFill>
                   <a:schemeClr val="tx1"/>
                 </a:solidFill>
@@ -1823,7 +1834,7 @@
           <a:p>
             <a:pPr lvl="0"/>
             <a:r>
-              <a:rPr lang="en-US" sz="1200" kern="1200" dirty="0" smtClean="0">
+              <a:rPr lang="en-US" sz="1200" kern="1200" dirty="0">
                 <a:solidFill>
                   <a:schemeClr val="tx1"/>
                 </a:solidFill>
@@ -1838,7 +1849,7 @@
           <a:p>
             <a:pPr lvl="0"/>
             <a:r>
-              <a:rPr lang="en-US" sz="1200" kern="1200" dirty="0" smtClean="0">
+              <a:rPr lang="en-US" sz="1200" kern="1200" dirty="0">
                 <a:solidFill>
                   <a:schemeClr val="tx1"/>
                 </a:solidFill>
@@ -1853,7 +1864,7 @@
           <a:p>
             <a:pPr lvl="0"/>
             <a:r>
-              <a:rPr lang="en-US" sz="1200" kern="1200" dirty="0" smtClean="0">
+              <a:rPr lang="en-US" sz="1200" kern="1200" dirty="0">
                 <a:solidFill>
                   <a:schemeClr val="tx1"/>
                 </a:solidFill>
@@ -1868,7 +1879,7 @@
           <a:p>
             <a:pPr lvl="0"/>
             <a:r>
-              <a:rPr lang="en-US" sz="1200" kern="1200" dirty="0" smtClean="0">
+              <a:rPr lang="en-US" sz="1200" kern="1200" dirty="0">
                 <a:solidFill>
                   <a:schemeClr val="tx1"/>
                 </a:solidFill>
@@ -1883,7 +1894,7 @@
           <a:p>
             <a:pPr lvl="0"/>
             <a:r>
-              <a:rPr lang="en-US" sz="1200" kern="1200" dirty="0" smtClean="0">
+              <a:rPr lang="en-US" sz="1200" kern="1200" dirty="0">
                 <a:solidFill>
                   <a:schemeClr val="tx1"/>
                 </a:solidFill>
@@ -1898,7 +1909,7 @@
           <a:p>
             <a:pPr lvl="0"/>
             <a:r>
-              <a:rPr lang="en-US" sz="1200" kern="1200" dirty="0" smtClean="0">
+              <a:rPr lang="en-US" sz="1200" kern="1200" dirty="0">
                 <a:solidFill>
                   <a:schemeClr val="tx1"/>
                 </a:solidFill>
@@ -1913,7 +1924,7 @@
           <a:p>
             <a:pPr lvl="0"/>
             <a:r>
-              <a:rPr lang="en-US" sz="1200" kern="1200" dirty="0" smtClean="0">
+              <a:rPr lang="en-US" sz="1200" kern="1200" dirty="0">
                 <a:solidFill>
                   <a:schemeClr val="tx1"/>
                 </a:solidFill>
@@ -1928,7 +1939,7 @@
           <a:p>
             <a:pPr lvl="0"/>
             <a:r>
-              <a:rPr lang="en-US" sz="1200" kern="1200" dirty="0" smtClean="0">
+              <a:rPr lang="en-US" sz="1200" kern="1200" dirty="0">
                 <a:solidFill>
                   <a:schemeClr val="tx1"/>
                 </a:solidFill>
@@ -1943,7 +1954,7 @@
           <a:p>
             <a:pPr lvl="0"/>
             <a:r>
-              <a:rPr lang="en-US" sz="1200" kern="1200" dirty="0" smtClean="0">
+              <a:rPr lang="en-US" sz="1200" kern="1200" dirty="0">
                 <a:solidFill>
                   <a:schemeClr val="tx1"/>
                 </a:solidFill>
@@ -1958,7 +1969,7 @@
           <a:p>
             <a:pPr lvl="0"/>
             <a:r>
-              <a:rPr lang="en-US" sz="1200" kern="1200" dirty="0" smtClean="0">
+              <a:rPr lang="en-US" sz="1200" kern="1200" dirty="0">
                 <a:solidFill>
                   <a:schemeClr val="tx1"/>
                 </a:solidFill>
@@ -1972,7 +1983,7 @@
           </a:p>
           <a:p>
             <a:r>
-              <a:rPr lang="en-US" sz="1200" kern="1200" dirty="0" err="1" smtClean="0">
+              <a:rPr lang="en-US" sz="1200" kern="1200" dirty="0" err="1">
                 <a:solidFill>
                   <a:schemeClr val="tx1"/>
                 </a:solidFill>
@@ -1984,7 +1995,7 @@
               <a:t>Zuul’s</a:t>
             </a:r>
             <a:r>
-              <a:rPr lang="en-US" sz="1200" kern="1200" dirty="0" smtClean="0">
+              <a:rPr lang="en-US" sz="1200" kern="1200" dirty="0">
                 <a:solidFill>
                   <a:schemeClr val="tx1"/>
                 </a:solidFill>
@@ -1998,7 +2009,7 @@
           </a:p>
           <a:p>
             <a:r>
-              <a:rPr lang="en-US" sz="1200" kern="1200" dirty="0" smtClean="0">
+              <a:rPr lang="en-US" sz="1200" kern="1200" dirty="0">
                 <a:solidFill>
                   <a:schemeClr val="tx1"/>
                 </a:solidFill>
@@ -2012,7 +2023,7 @@
           </a:p>
           <a:p>
             <a:r>
-              <a:rPr lang="en-US" sz="1200" kern="1200" dirty="0" smtClean="0">
+              <a:rPr lang="en-US" sz="1200" kern="1200" dirty="0">
                 <a:solidFill>
                   <a:schemeClr val="tx1"/>
                 </a:solidFill>
@@ -2023,15 +2034,6 @@
               </a:rPr>
               <a:t> </a:t>
             </a:r>
-            <a:endParaRPr lang="en-US" sz="1200" kern="1200" dirty="0">
-              <a:solidFill>
-                <a:schemeClr val="tx1"/>
-              </a:solidFill>
-              <a:effectLst/>
-              <a:latin typeface="+mn-lt"/>
-              <a:ea typeface="+mn-ea"/>
-              <a:cs typeface="+mn-cs"/>
-            </a:endParaRPr>
           </a:p>
         </p:txBody>
       </p:sp>
@@ -2206,10 +2208,9 @@
           </a:lstStyle>
           <a:p>
             <a:r>
-              <a:rPr lang="en-US" dirty="0" smtClean="0"/>
+              <a:rPr lang="en-US" dirty="0"/>
               <a:t>Click to edit Master title style</a:t>
             </a:r>
-            <a:endParaRPr lang="en-US" dirty="0"/>
           </a:p>
         </p:txBody>
       </p:sp>
@@ -2272,10 +2273,9 @@
           <a:p>
             <a:pPr lvl="0"/>
             <a:r>
-              <a:rPr lang="en-US" dirty="0" smtClean="0"/>
+              <a:rPr lang="en-US" dirty="0"/>
               <a:t>Click to edit Master</a:t>
             </a:r>
-            <a:endParaRPr lang="en-US" dirty="0"/>
           </a:p>
         </p:txBody>
       </p:sp>
@@ -2289,13 +2289,6 @@
   <p:clrMapOvr>
     <a:masterClrMapping/>
   </p:clrMapOvr>
-  <p:timing>
-    <p:tnLst>
-      <p:par>
-        <p:cTn xmlns:p14="http://schemas.microsoft.com/office/powerpoint/2010/main" id="1" dur="indefinite" restart="never" nodeType="tmRoot"/>
-      </p:par>
-    </p:tnLst>
-  </p:timing>
 </p:sldLayout>
 </file>
 
@@ -2717,10 +2710,9 @@
           </a:lstStyle>
           <a:p>
             <a:r>
-              <a:rPr lang="en-US" dirty="0" smtClean="0"/>
+              <a:rPr lang="en-US" dirty="0"/>
               <a:t>Click to edit Master title style</a:t>
             </a:r>
-            <a:endParaRPr lang="en-US" dirty="0"/>
           </a:p>
         </p:txBody>
       </p:sp>
@@ -2816,10 +2808,9 @@
           <a:p>
             <a:pPr lvl="0"/>
             <a:r>
-              <a:rPr lang="en-US" dirty="0" smtClean="0"/>
+              <a:rPr lang="en-US" dirty="0"/>
               <a:t>Click to edit Master</a:t>
             </a:r>
-            <a:endParaRPr lang="en-US" dirty="0"/>
           </a:p>
         </p:txBody>
       </p:sp>
@@ -2833,13 +2824,6 @@
   <p:clrMapOvr>
     <a:masterClrMapping/>
   </p:clrMapOvr>
-  <p:timing>
-    <p:tnLst>
-      <p:par>
-        <p:cTn xmlns:p14="http://schemas.microsoft.com/office/powerpoint/2010/main" id="1" dur="indefinite" restart="never" nodeType="tmRoot"/>
-      </p:par>
-    </p:tnLst>
-  </p:timing>
 </p:sldLayout>
 </file>
 
@@ -3011,13 +2995,6 @@
   <p:clrMapOvr>
     <a:masterClrMapping/>
   </p:clrMapOvr>
-  <p:timing>
-    <p:tnLst>
-      <p:par>
-        <p:cTn xmlns:p14="http://schemas.microsoft.com/office/powerpoint/2010/main" id="1" dur="indefinite" restart="never" nodeType="tmRoot"/>
-      </p:par>
-    </p:tnLst>
-  </p:timing>
 </p:sldLayout>
 </file>
 
@@ -3104,13 +3081,6 @@
   <p:clrMapOvr>
     <a:masterClrMapping/>
   </p:clrMapOvr>
-  <p:timing>
-    <p:tnLst>
-      <p:par>
-        <p:cTn xmlns:p14="http://schemas.microsoft.com/office/powerpoint/2010/main" id="1" dur="indefinite" restart="never" nodeType="tmRoot"/>
-      </p:par>
-    </p:tnLst>
-  </p:timing>
 </p:sldLayout>
 </file>
 
@@ -3169,10 +3139,9 @@
           </a:lstStyle>
           <a:p>
             <a:r>
-              <a:rPr lang="en-US" dirty="0" smtClean="0"/>
+              <a:rPr lang="en-US" dirty="0"/>
               <a:t>Click to Edit Master Title Style</a:t>
             </a:r>
-            <a:endParaRPr lang="en-US" dirty="0"/>
           </a:p>
         </p:txBody>
       </p:sp>
@@ -3186,16 +3155,9 @@
   <p:clrMapOvr>
     <a:masterClrMapping/>
   </p:clrMapOvr>
-  <p:transition xmlns:p14="http://schemas.microsoft.com/office/powerpoint/2010/main">
+  <p:transition>
     <p:fade/>
   </p:transition>
-  <p:timing>
-    <p:tnLst>
-      <p:par>
-        <p:cTn xmlns:p14="http://schemas.microsoft.com/office/powerpoint/2010/main" id="1" dur="indefinite" restart="never" nodeType="tmRoot"/>
-      </p:par>
-    </p:tnLst>
-  </p:timing>
 </p:sldLayout>
 </file>
 
@@ -3345,7 +3307,7 @@
   <p:clrMapOvr>
     <a:masterClrMapping/>
   </p:clrMapOvr>
-  <p:transition xmlns:p14="http://schemas.microsoft.com/office/powerpoint/2010/main" spd="med"/>
+  <p:transition spd="med"/>
 </p:sldLayout>
 </file>
 
@@ -3565,10 +3527,9 @@
           </a:lstStyle>
           <a:p>
             <a:r>
-              <a:rPr lang="en-US" dirty="0" smtClean="0"/>
+              <a:rPr lang="en-US" dirty="0"/>
               <a:t>Click to edit Master title style</a:t>
             </a:r>
-            <a:endParaRPr lang="en-US" dirty="0"/>
           </a:p>
         </p:txBody>
       </p:sp>
@@ -3664,10 +3625,9 @@
           <a:p>
             <a:pPr lvl="0"/>
             <a:r>
-              <a:rPr lang="en-US" dirty="0" smtClean="0"/>
+              <a:rPr lang="en-US" dirty="0"/>
               <a:t>Click to edit Master</a:t>
             </a:r>
-            <a:endParaRPr lang="en-US" dirty="0"/>
           </a:p>
         </p:txBody>
       </p:sp>
@@ -3731,13 +3691,6 @@
   <p:clrMapOvr>
     <a:masterClrMapping/>
   </p:clrMapOvr>
-  <p:timing>
-    <p:tnLst>
-      <p:par>
-        <p:cTn xmlns:p14="http://schemas.microsoft.com/office/powerpoint/2010/main" id="1" dur="indefinite" restart="never" nodeType="tmRoot"/>
-      </p:par>
-    </p:tnLst>
-  </p:timing>
 </p:sldLayout>
 </file>
 
@@ -3909,13 +3862,6 @@
   <p:clrMapOvr>
     <a:masterClrMapping/>
   </p:clrMapOvr>
-  <p:timing>
-    <p:tnLst>
-      <p:par>
-        <p:cTn xmlns:p14="http://schemas.microsoft.com/office/powerpoint/2010/main" id="1" dur="indefinite" restart="never" nodeType="tmRoot"/>
-      </p:par>
-    </p:tnLst>
-  </p:timing>
 </p:sldLayout>
 </file>
 
@@ -3969,13 +3915,6 @@
   <p:clrMapOvr>
     <a:masterClrMapping/>
   </p:clrMapOvr>
-  <p:timing>
-    <p:tnLst>
-      <p:par>
-        <p:cTn xmlns:p14="http://schemas.microsoft.com/office/powerpoint/2010/main" id="1" dur="indefinite" restart="never" nodeType="tmRoot"/>
-      </p:par>
-    </p:tnLst>
-  </p:timing>
 </p:sldLayout>
 </file>
 
@@ -4062,13 +4001,6 @@
   <p:clrMapOvr>
     <a:masterClrMapping/>
   </p:clrMapOvr>
-  <p:timing>
-    <p:tnLst>
-      <p:par>
-        <p:cTn xmlns:p14="http://schemas.microsoft.com/office/powerpoint/2010/main" id="1" dur="indefinite" restart="never" nodeType="tmRoot"/>
-      </p:par>
-    </p:tnLst>
-  </p:timing>
 </p:sldLayout>
 </file>
 
@@ -4127,10 +4059,9 @@
           </a:lstStyle>
           <a:p>
             <a:r>
-              <a:rPr lang="en-US" dirty="0" smtClean="0"/>
+              <a:rPr lang="en-US" dirty="0"/>
               <a:t>Click to Edit Master Title Style</a:t>
             </a:r>
-            <a:endParaRPr lang="en-US" dirty="0"/>
           </a:p>
         </p:txBody>
       </p:sp>
@@ -4144,16 +4075,9 @@
   <p:clrMapOvr>
     <a:masterClrMapping/>
   </p:clrMapOvr>
-  <p:transition xmlns:p14="http://schemas.microsoft.com/office/powerpoint/2010/main">
+  <p:transition>
     <p:fade/>
   </p:transition>
-  <p:timing>
-    <p:tnLst>
-      <p:par>
-        <p:cTn xmlns:p14="http://schemas.microsoft.com/office/powerpoint/2010/main" id="1" dur="indefinite" restart="never" nodeType="tmRoot"/>
-      </p:par>
-    </p:tnLst>
-  </p:timing>
 </p:sldLayout>
 </file>
 
@@ -4303,7 +4227,7 @@
   <p:clrMapOvr>
     <a:masterClrMapping/>
   </p:clrMapOvr>
-  <p:transition xmlns:p14="http://schemas.microsoft.com/office/powerpoint/2010/main" spd="med"/>
+  <p:transition spd="med"/>
 </p:sldLayout>
 </file>
 
@@ -4523,10 +4447,9 @@
           </a:lstStyle>
           <a:p>
             <a:r>
-              <a:rPr lang="en-US" dirty="0" smtClean="0"/>
+              <a:rPr lang="en-US" dirty="0"/>
               <a:t>Click to edit Master title style</a:t>
             </a:r>
-            <a:endParaRPr lang="en-US" dirty="0"/>
           </a:p>
         </p:txBody>
       </p:sp>
@@ -4563,13 +4486,6 @@
   <p:clrMapOvr>
     <a:masterClrMapping/>
   </p:clrMapOvr>
-  <p:timing>
-    <p:tnLst>
-      <p:par>
-        <p:cTn xmlns:p14="http://schemas.microsoft.com/office/powerpoint/2010/main" id="1" dur="indefinite" restart="never" nodeType="tmRoot"/>
-      </p:par>
-    </p:tnLst>
-  </p:timing>
 </p:sldLayout>
 </file>
 
@@ -4632,10 +4548,9 @@
           </a:lstStyle>
           <a:p>
             <a:r>
-              <a:rPr lang="en-US" dirty="0" smtClean="0"/>
+              <a:rPr lang="en-US" dirty="0"/>
               <a:t>CLICK TO EDIT MASTER TITLE STYLE</a:t>
             </a:r>
-            <a:endParaRPr lang="en-US" dirty="0"/>
           </a:p>
         </p:txBody>
       </p:sp>
@@ -4710,35 +4625,35 @@
           <a:p>
             <a:pPr lvl="0"/>
             <a:r>
-              <a:rPr lang="en-US" smtClean="0"/>
+              <a:rPr lang="en-US"/>
               <a:t>Click to edit Master text styles</a:t>
             </a:r>
           </a:p>
           <a:p>
             <a:pPr lvl="1"/>
             <a:r>
-              <a:rPr lang="en-US" smtClean="0"/>
+              <a:rPr lang="en-US"/>
               <a:t>Second level</a:t>
             </a:r>
           </a:p>
           <a:p>
             <a:pPr lvl="2"/>
             <a:r>
-              <a:rPr lang="en-US" smtClean="0"/>
+              <a:rPr lang="en-US"/>
               <a:t>Third level</a:t>
             </a:r>
           </a:p>
           <a:p>
             <a:pPr lvl="3"/>
             <a:r>
-              <a:rPr lang="en-US" smtClean="0"/>
+              <a:rPr lang="en-US"/>
               <a:t>Fourth level</a:t>
             </a:r>
           </a:p>
           <a:p>
             <a:pPr lvl="4"/>
             <a:r>
-              <a:rPr lang="en-US" smtClean="0"/>
+              <a:rPr lang="en-US"/>
               <a:t>Fifth level</a:t>
             </a:r>
             <a:endParaRPr lang="en-US" dirty="0"/>
@@ -4817,7 +4732,7 @@
           <a:p>
             <a:pPr algn="l"/>
             <a:r>
-              <a:rPr lang="en-US" sz="600" dirty="0" smtClean="0">
+              <a:rPr lang="en-US" sz="600" dirty="0">
                 <a:solidFill>
                   <a:schemeClr val="bg1">
                     <a:lumMod val="50000"/>
@@ -4829,7 +4744,7 @@
               <a:t>© Copyright 2015 Pivotal.</a:t>
             </a:r>
             <a:r>
-              <a:rPr lang="en-US" sz="600" baseline="0" dirty="0" smtClean="0">
+              <a:rPr lang="en-US" sz="600" baseline="0" dirty="0">
                 <a:solidFill>
                   <a:schemeClr val="bg1">
                     <a:lumMod val="50000"/>
@@ -4841,7 +4756,7 @@
               <a:t> </a:t>
             </a:r>
             <a:r>
-              <a:rPr lang="en-US" sz="600" dirty="0" smtClean="0">
+              <a:rPr lang="en-US" sz="600" dirty="0">
                 <a:solidFill>
                   <a:schemeClr val="bg1">
                     <a:lumMod val="50000"/>
@@ -4852,15 +4767,6 @@
               </a:rPr>
               <a:t>All rights reserved.</a:t>
             </a:r>
-            <a:endParaRPr lang="en-US" sz="600" dirty="0">
-              <a:solidFill>
-                <a:schemeClr val="bg1">
-                  <a:lumMod val="50000"/>
-                </a:schemeClr>
-              </a:solidFill>
-              <a:latin typeface="Arial"/>
-              <a:cs typeface="Arial"/>
-            </a:endParaRPr>
           </a:p>
         </p:txBody>
       </p:sp>
@@ -4933,13 +4839,6 @@
   <p:clrMapOvr>
     <a:masterClrMapping/>
   </p:clrMapOvr>
-  <p:timing>
-    <p:tnLst>
-      <p:par>
-        <p:cTn xmlns:p14="http://schemas.microsoft.com/office/powerpoint/2010/main" id="1" dur="indefinite" restart="never" nodeType="tmRoot"/>
-      </p:par>
-    </p:tnLst>
-  </p:timing>
 </p:sldLayout>
 </file>
 
@@ -6495,13 +6394,6 @@
     <p:sldLayoutId id="2147483734" r:id="rId4"/>
     <p:sldLayoutId id="2147483735" r:id="rId5"/>
   </p:sldLayoutIdLst>
-  <p:timing>
-    <p:tnLst>
-      <p:par>
-        <p:cTn xmlns:p14="http://schemas.microsoft.com/office/powerpoint/2010/main" id="1" dur="indefinite" restart="never" nodeType="tmRoot"/>
-      </p:par>
-    </p:tnLst>
-  </p:timing>
   <p:hf hdr="0" ftr="0" dt="0"/>
   <p:txStyles>
     <p:titleStyle>
@@ -8123,13 +8015,6 @@
     <p:sldLayoutId id="2147483722" r:id="rId6"/>
     <p:sldLayoutId id="2147483723" r:id="rId7"/>
   </p:sldLayoutIdLst>
-  <p:timing>
-    <p:tnLst>
-      <p:par>
-        <p:cTn xmlns:p14="http://schemas.microsoft.com/office/powerpoint/2010/main" id="1" dur="indefinite" restart="never" nodeType="tmRoot"/>
-      </p:par>
-    </p:tnLst>
-  </p:timing>
   <p:hf hdr="0" ftr="0" dt="0"/>
   <p:txStyles>
     <p:titleStyle>
@@ -8456,13 +8341,6 @@
     <p:sldLayoutId id="2147483730" r:id="rId6"/>
     <p:sldLayoutId id="2147483731" r:id="rId7"/>
   </p:sldLayoutIdLst>
-  <p:timing>
-    <p:tnLst>
-      <p:par>
-        <p:cTn xmlns:p14="http://schemas.microsoft.com/office/powerpoint/2010/main" id="1" dur="indefinite" restart="never" nodeType="tmRoot"/>
-      </p:par>
-    </p:tnLst>
-  </p:timing>
   <p:hf hdr="0" ftr="0" dt="0"/>
   <p:txStyles>
     <p:titleStyle>
@@ -8875,7 +8753,7 @@
               </a:spcAft>
             </a:pPr>
             <a:r>
-              <a:rPr lang="en-US" sz="4200" b="1" spc="-100" dirty="0" smtClean="0">
+              <a:rPr lang="en-US" sz="4200" b="1" spc="-100" dirty="0">
                 <a:solidFill>
                   <a:srgbClr val="00AE9E"/>
                 </a:solidFill>
@@ -8932,7 +8810,7 @@
               </a:spcAft>
             </a:pPr>
             <a:r>
-              <a:rPr lang="en-US" sz="2800" spc="-100" dirty="0" smtClean="0">
+              <a:rPr lang="en-US" sz="2800" spc="-100" dirty="0">
                 <a:solidFill>
                   <a:schemeClr val="bg1"/>
                 </a:solidFill>
@@ -8947,19 +8825,6 @@
               </a:rPr>
               <a:t>Spring Cloud Netflix – Service Discovery and Load Balancing</a:t>
             </a:r>
-            <a:endParaRPr lang="en-US" sz="2800" spc="-100" dirty="0">
-              <a:solidFill>
-                <a:schemeClr val="bg1"/>
-              </a:solidFill>
-              <a:effectLst>
-                <a:outerShdw blurRad="50800" dist="38100" dir="5400000" algn="t" rotWithShape="0">
-                  <a:prstClr val="black">
-                    <a:alpha val="40000"/>
-                  </a:prstClr>
-                </a:outerShdw>
-              </a:effectLst>
-              <a:cs typeface="Arial"/>
-            </a:endParaRPr>
           </a:p>
         </p:txBody>
       </p:sp>
@@ -8973,13 +8838,6 @@
   <p:clrMapOvr>
     <a:masterClrMapping/>
   </p:clrMapOvr>
-  <p:timing>
-    <p:tnLst>
-      <p:par>
-        <p:cTn xmlns:p14="http://schemas.microsoft.com/office/powerpoint/2010/main" id="1" dur="indefinite" restart="never" nodeType="tmRoot"/>
-      </p:par>
-    </p:tnLst>
-  </p:timing>
 </p:sld>
 </file>
 
@@ -9016,10 +8874,9 @@
           <a:lstStyle/>
           <a:p>
             <a:r>
-              <a:rPr lang="en-US" dirty="0" smtClean="0"/>
+              <a:rPr lang="en-US" dirty="0"/>
               <a:t>HOW??</a:t>
             </a:r>
-            <a:endParaRPr lang="en-US" dirty="0"/>
           </a:p>
         </p:txBody>
       </p:sp>
@@ -9052,17 +8909,10 @@
                 <a:latin typeface="Courier New"/>
                 <a:cs typeface="Courier New"/>
               </a:rPr>
-              <a:t> </a:t>
-            </a:r>
-            <a:r>
-              <a:rPr lang="en-US" sz="1200" dirty="0" smtClean="0">
-                <a:latin typeface="Courier New"/>
-                <a:cs typeface="Courier New"/>
-              </a:rPr>
-              <a:t>  public Portfolio </a:t>
-            </a:r>
-            <a:r>
-              <a:rPr lang="en-US" sz="1200" dirty="0" smtClean="0">
+              <a:t>   public Portfolio </a:t>
+            </a:r>
+            <a:r>
+              <a:rPr lang="en-US" sz="1200" dirty="0">
                 <a:solidFill>
                   <a:srgbClr val="77933C"/>
                 </a:solidFill>
@@ -9072,25 +8922,11 @@
               <a:t>accountLookup</a:t>
             </a:r>
             <a:r>
-              <a:rPr lang="en-US" sz="1200" dirty="0" smtClean="0">
-                <a:latin typeface="Courier New"/>
-                <a:cs typeface="Courier New"/>
-              </a:rPr>
-              <a:t>(</a:t>
-            </a:r>
-            <a:r>
               <a:rPr lang="en-US" sz="1200" dirty="0">
                 <a:latin typeface="Courier New"/>
                 <a:cs typeface="Courier New"/>
               </a:rPr>
-              <a:t>String</a:t>
-            </a:r>
-            <a:r>
-              <a:rPr lang="en-US" sz="1200" dirty="0" smtClean="0">
-                <a:latin typeface="Courier New"/>
-                <a:cs typeface="Courier New"/>
-              </a:rPr>
-              <a:t>[acctId) {</a:t>
+              <a:t>(String[acctId) {</a:t>
             </a:r>
           </a:p>
           <a:p>
@@ -9099,14 +8935,7 @@
                 <a:latin typeface="Courier New"/>
                 <a:cs typeface="Courier New"/>
               </a:rPr>
-              <a:t> </a:t>
-            </a:r>
-            <a:r>
-              <a:rPr lang="en-US" sz="1200" dirty="0" smtClean="0">
-                <a:latin typeface="Courier New"/>
-                <a:cs typeface="Courier New"/>
-              </a:rPr>
-              <a:t>     Portfolio p = restTemplate.getForObject(</a:t>
+              <a:t>      Portfolio p = restTemplate.getForObject(</a:t>
             </a:r>
           </a:p>
           <a:p>
@@ -9115,17 +8944,10 @@
                 <a:latin typeface="Courier New"/>
                 <a:cs typeface="Courier New"/>
               </a:rPr>
-              <a:t>	</a:t>
-            </a:r>
-            <a:r>
-              <a:rPr lang="en-US" sz="1200" dirty="0" smtClean="0">
-                <a:latin typeface="Courier New"/>
-                <a:cs typeface="Courier New"/>
-              </a:rPr>
-              <a:t>    </a:t>
-            </a:r>
-            <a:r>
-              <a:rPr lang="en-US" sz="1200" dirty="0" smtClean="0">
+              <a:t>	    </a:t>
+            </a:r>
+            <a:r>
+              <a:rPr lang="en-US" sz="1200" dirty="0">
                 <a:latin typeface="Courier New"/>
                 <a:cs typeface="Courier New"/>
                 <a:hlinkClick r:id="rId3"/>
@@ -9133,7 +8955,7 @@
               <a:t>“http://portfolio-service/portfolio/{accId}</a:t>
             </a:r>
             <a:r>
-              <a:rPr lang="en-US" sz="1200" dirty="0" smtClean="0">
+              <a:rPr lang="en-US" sz="1200" dirty="0">
                 <a:latin typeface="Courier New"/>
                 <a:cs typeface="Courier New"/>
               </a:rPr>
@@ -9146,14 +8968,7 @@
                 <a:latin typeface="Courier New"/>
                 <a:cs typeface="Courier New"/>
               </a:rPr>
-              <a:t>	 </a:t>
-            </a:r>
-            <a:r>
-              <a:rPr lang="en-US" sz="1200" dirty="0" smtClean="0">
-                <a:latin typeface="Courier New"/>
-                <a:cs typeface="Courier New"/>
-              </a:rPr>
-              <a:t>   Portfolio.class</a:t>
+              <a:t>	    Portfolio.class</a:t>
             </a:r>
           </a:p>
           <a:p>
@@ -9162,23 +8977,12 @@
                 <a:latin typeface="Courier New"/>
                 <a:cs typeface="Courier New"/>
               </a:rPr>
-              <a:t>	</a:t>
-            </a:r>
-            <a:r>
-              <a:rPr lang="en-US" sz="1200" dirty="0" smtClean="0">
-                <a:latin typeface="Courier New"/>
-                <a:cs typeface="Courier New"/>
-              </a:rPr>
-              <a:t>    acctId);</a:t>
-            </a:r>
-            <a:endParaRPr lang="en-US" sz="1200" dirty="0">
-              <a:latin typeface="Courier New"/>
-              <a:cs typeface="Courier New"/>
-            </a:endParaRPr>
-          </a:p>
-          <a:p>
-            <a:r>
-              <a:rPr lang="en-US" sz="1200" dirty="0" smtClean="0">
+              <a:t>	    acctId);</a:t>
+            </a:r>
+          </a:p>
+          <a:p>
+            <a:r>
+              <a:rPr lang="en-US" sz="1200" dirty="0">
                 <a:latin typeface="Courier New"/>
                 <a:cs typeface="Courier New"/>
               </a:rPr>
@@ -9187,16 +8991,12 @@
           </a:p>
           <a:p>
             <a:r>
-              <a:rPr lang="en-US" sz="1200" dirty="0" smtClean="0">
+              <a:rPr lang="en-US" sz="1200" dirty="0">
                 <a:latin typeface="Courier New"/>
                 <a:cs typeface="Courier New"/>
               </a:rPr>
               <a:t>   }</a:t>
             </a:r>
-            <a:endParaRPr lang="en-US" sz="1200" dirty="0">
-              <a:latin typeface="Courier New"/>
-              <a:cs typeface="Courier New"/>
-            </a:endParaRPr>
           </a:p>
         </p:txBody>
       </p:sp>
@@ -9223,7 +9023,7 @@
           <a:lstStyle/>
           <a:p>
             <a:r>
-              <a:rPr lang="en-US" sz="1200" b="1" dirty="0" smtClean="0">
+              <a:rPr lang="en-US" sz="1200" b="1" dirty="0">
                 <a:solidFill>
                   <a:srgbClr val="FF0000"/>
                 </a:solidFill>
@@ -9231,18 +9031,7 @@
                 <a:cs typeface="Courier New"/>
                 <a:sym typeface="Wingdings"/>
               </a:rPr>
-              <a:t> </a:t>
-            </a:r>
-            <a:r>
-              <a:rPr lang="en-US" sz="1200" b="1" dirty="0">
-                <a:solidFill>
-                  <a:srgbClr val="FF0000"/>
-                </a:solidFill>
-                <a:latin typeface="Courier New"/>
-                <a:cs typeface="Courier New"/>
-                <a:sym typeface="Wingdings"/>
-              </a:rPr>
-              <a:t>MAGIC!!</a:t>
+              <a:t> MAGIC!!</a:t>
             </a:r>
             <a:endParaRPr lang="en-US" sz="1200" b="1" dirty="0">
               <a:solidFill>
@@ -9321,14 +9110,14 @@
           <a:lstStyle/>
           <a:p>
             <a:r>
-              <a:rPr lang="en-US" sz="1200" dirty="0" smtClean="0">
+              <a:rPr lang="en-US" sz="1200" dirty="0">
                 <a:latin typeface="Courier New"/>
                 <a:cs typeface="Courier New"/>
               </a:rPr>
               <a:t>  @</a:t>
             </a:r>
             <a:r>
-              <a:rPr lang="en-US" sz="1200" b="1" dirty="0" smtClean="0">
+              <a:rPr lang="en-US" sz="1200" b="1" dirty="0">
                 <a:solidFill>
                   <a:srgbClr val="FF0000"/>
                 </a:solidFill>
@@ -9338,7 +9127,7 @@
               <a:t>Autowired</a:t>
             </a:r>
             <a:r>
-              <a:rPr lang="en-US" sz="1200" dirty="0" smtClean="0">
+              <a:rPr lang="en-US" sz="1200" dirty="0">
                 <a:solidFill>
                   <a:srgbClr val="FF0000"/>
                 </a:solidFill>
@@ -9348,25 +9137,11 @@
               <a:t> </a:t>
             </a:r>
             <a:r>
-              <a:rPr lang="en-US" sz="1200" dirty="0" smtClean="0">
-                <a:latin typeface="Courier New"/>
-                <a:cs typeface="Courier New"/>
-              </a:rPr>
-              <a:t>LoadBalancerClient </a:t>
-            </a:r>
-            <a:r>
               <a:rPr lang="en-US" sz="1200" dirty="0">
                 <a:latin typeface="Courier New"/>
                 <a:cs typeface="Courier New"/>
               </a:rPr>
-              <a:t>loadBalancer</a:t>
-            </a:r>
-            <a:r>
-              <a:rPr lang="en-US" sz="1200" dirty="0" smtClean="0">
-                <a:latin typeface="Courier New"/>
-                <a:cs typeface="Courier New"/>
-              </a:rPr>
-              <a:t>;</a:t>
+              <a:t>LoadBalancerClient loadBalancer;</a:t>
             </a:r>
           </a:p>
           <a:p>
@@ -9377,18 +9152,11 @@
           </a:p>
           <a:p>
             <a:r>
-              <a:rPr lang="en-US" sz="1200" dirty="0" smtClean="0">
-                <a:latin typeface="Courier New"/>
-                <a:cs typeface="Courier New"/>
-              </a:rPr>
-              <a:t>  public </a:t>
-            </a:r>
-            <a:r>
               <a:rPr lang="en-US" sz="1200" dirty="0">
                 <a:latin typeface="Courier New"/>
                 <a:cs typeface="Courier New"/>
               </a:rPr>
-              <a:t>void </a:t>
+              <a:t>  public void </a:t>
             </a:r>
             <a:r>
               <a:rPr lang="en-US" sz="1200" dirty="0">
@@ -9405,146 +9173,62 @@
                 <a:latin typeface="Courier New"/>
                 <a:cs typeface="Courier New"/>
               </a:rPr>
-              <a:t>() </a:t>
-            </a:r>
-            <a:r>
-              <a:rPr lang="en-US" sz="1200" dirty="0" smtClean="0">
-                <a:latin typeface="Courier New"/>
-                <a:cs typeface="Courier New"/>
-              </a:rPr>
-              <a:t>{</a:t>
-            </a:r>
-          </a:p>
-          <a:p>
-            <a:r>
-              <a:rPr lang="en-US" sz="1200" dirty="0" smtClean="0">
-                <a:latin typeface="Courier New"/>
-                <a:cs typeface="Courier New"/>
-              </a:rPr>
-              <a:t>  </a:t>
-            </a:r>
+              <a:t>() {</a:t>
+            </a:r>
+          </a:p>
+          <a:p>
             <a:r>
               <a:rPr lang="en-US" sz="1200" dirty="0">
                 <a:latin typeface="Courier New"/>
                 <a:cs typeface="Courier New"/>
               </a:rPr>
-              <a:t> </a:t>
-            </a:r>
-            <a:r>
-              <a:rPr lang="en-US" sz="1200" dirty="0" smtClean="0">
-                <a:latin typeface="Courier New"/>
-                <a:cs typeface="Courier New"/>
-              </a:rPr>
-              <a:t>  ServiceInstance </a:t>
-            </a:r>
+              <a:t>     ServiceInstance instance = loadBalancer.choose("stores");</a:t>
+            </a:r>
+          </a:p>
+          <a:p>
             <a:r>
               <a:rPr lang="en-US" sz="1200" dirty="0">
                 <a:latin typeface="Courier New"/>
                 <a:cs typeface="Courier New"/>
               </a:rPr>
-              <a:t>instance = </a:t>
-            </a:r>
-            <a:r>
-              <a:rPr lang="en-US" sz="1200" dirty="0" smtClean="0">
-                <a:latin typeface="Courier New"/>
-                <a:cs typeface="Courier New"/>
-              </a:rPr>
-              <a:t>loadBalancer.choose</a:t>
-            </a:r>
+              <a:t>     URI storesUri = URI.create(String.format("http://%s:%s",</a:t>
+            </a:r>
+          </a:p>
+          <a:p>
             <a:r>
               <a:rPr lang="en-US" sz="1200" dirty="0">
                 <a:latin typeface="Courier New"/>
                 <a:cs typeface="Courier New"/>
               </a:rPr>
-              <a:t>("stores")</a:t>
-            </a:r>
-            <a:r>
-              <a:rPr lang="en-US" sz="1200" dirty="0" smtClean="0">
-                <a:latin typeface="Courier New"/>
-                <a:cs typeface="Courier New"/>
-              </a:rPr>
-              <a:t>;</a:t>
-            </a:r>
-          </a:p>
-          <a:p>
-            <a:r>
-              <a:rPr lang="en-US" sz="1200" dirty="0" smtClean="0">
-                <a:latin typeface="Courier New"/>
-                <a:cs typeface="Courier New"/>
-              </a:rPr>
-              <a:t>     URI </a:t>
-            </a:r>
+              <a:t>                        instance.getHost(), instance.getPort()));</a:t>
+            </a:r>
+          </a:p>
+          <a:p>
             <a:r>
               <a:rPr lang="en-US" sz="1200" dirty="0">
                 <a:latin typeface="Courier New"/>
                 <a:cs typeface="Courier New"/>
               </a:rPr>
-              <a:t>storesUri = URI.create(String.format("http://%s:%s"</a:t>
-            </a:r>
-            <a:r>
-              <a:rPr lang="en-US" sz="1200" dirty="0" smtClean="0">
+              <a:t>     // Do some stuff</a:t>
+            </a:r>
+            <a:r>
+              <a:rPr lang="is-IS" sz="1200" dirty="0">
                 <a:latin typeface="Courier New"/>
                 <a:cs typeface="Courier New"/>
               </a:rPr>
-              <a:t>,</a:t>
-            </a:r>
-          </a:p>
-          <a:p>
-            <a:r>
-              <a:rPr lang="en-US" sz="1200" dirty="0" smtClean="0">
-                <a:latin typeface="Courier New"/>
-                <a:cs typeface="Courier New"/>
-              </a:rPr>
-              <a:t>                        instance.getHost</a:t>
+              <a:t>…</a:t>
             </a:r>
             <a:r>
               <a:rPr lang="en-US" sz="1200" dirty="0">
                 <a:latin typeface="Courier New"/>
                 <a:cs typeface="Courier New"/>
               </a:rPr>
-              <a:t>(), instance.getPort()))</a:t>
-            </a:r>
-            <a:r>
-              <a:rPr lang="en-US" sz="1200" dirty="0" smtClean="0">
-                <a:latin typeface="Courier New"/>
-                <a:cs typeface="Courier New"/>
-              </a:rPr>
-              <a:t>;</a:t>
+              <a:t>          </a:t>
             </a:r>
           </a:p>
           <a:p>
             <a:r>
               <a:rPr lang="en-US" sz="1200" dirty="0">
-                <a:latin typeface="Courier New"/>
-                <a:cs typeface="Courier New"/>
-              </a:rPr>
-              <a:t> </a:t>
-            </a:r>
-            <a:r>
-              <a:rPr lang="en-US" sz="1200" dirty="0" smtClean="0">
-                <a:latin typeface="Courier New"/>
-                <a:cs typeface="Courier New"/>
-              </a:rPr>
-              <a:t>    // Do some stuff</a:t>
-            </a:r>
-            <a:r>
-              <a:rPr lang="is-IS" sz="1200" dirty="0" smtClean="0">
-                <a:latin typeface="Courier New"/>
-                <a:cs typeface="Courier New"/>
-              </a:rPr>
-              <a:t>…</a:t>
-            </a:r>
-            <a:r>
-              <a:rPr lang="en-US" sz="1200" dirty="0" smtClean="0">
-                <a:latin typeface="Courier New"/>
-                <a:cs typeface="Courier New"/>
-              </a:rPr>
-              <a:t>          </a:t>
-            </a:r>
-          </a:p>
-          <a:p>
-            <a:r>
-              <a:rPr lang="en-US" sz="1200" dirty="0" smtClean="0">
                 <a:latin typeface="Courier New"/>
                 <a:cs typeface="Courier New"/>
               </a:rPr>
@@ -9566,7 +9250,7 @@
   <p:timing>
     <p:tnLst>
       <p:par>
-        <p:cTn xmlns:p14="http://schemas.microsoft.com/office/powerpoint/2010/main" id="1" dur="indefinite" restart="never" nodeType="tmRoot">
+        <p:cTn id="1" dur="indefinite" restart="never" nodeType="tmRoot">
           <p:childTnLst>
             <p:seq concurrent="1" nextAc="seek">
               <p:cTn id="2" dur="indefinite" nodeType="mainSeq">
@@ -9712,7 +9396,7 @@
           <a:lstStyle/>
           <a:p>
             <a:r>
-              <a:rPr lang="en-US" dirty="0" smtClean="0"/>
+              <a:rPr lang="en-US" dirty="0"/>
               <a:t>HOW??</a:t>
             </a:r>
             <a:endParaRPr lang="en-US" dirty="0">
@@ -9748,7 +9432,7 @@
           <a:lstStyle/>
           <a:p>
             <a:r>
-              <a:rPr lang="en-US" sz="1100" b="1" dirty="0" smtClean="0">
+              <a:rPr lang="en-US" sz="1100" b="1" dirty="0">
                 <a:solidFill>
                   <a:schemeClr val="accent1"/>
                 </a:solidFill>
@@ -9758,7 +9442,7 @@
               <a:t>@</a:t>
             </a:r>
             <a:r>
-              <a:rPr lang="en-US" sz="1100" b="1" dirty="0" smtClean="0">
+              <a:rPr lang="en-US" sz="1100" b="1" dirty="0">
                 <a:solidFill>
                   <a:srgbClr val="008774"/>
                 </a:solidFill>
@@ -9770,7 +9454,7 @@
           </a:p>
           <a:p>
             <a:r>
-              <a:rPr lang="en-US" sz="1100" b="1" dirty="0" smtClean="0">
+              <a:rPr lang="en-US" sz="1100" b="1" dirty="0">
                 <a:solidFill>
                   <a:srgbClr val="008774"/>
                 </a:solidFill>
@@ -9779,13 +9463,6 @@
               </a:rPr>
               <a:t>@EnableZuulProxy</a:t>
             </a:r>
-            <a:endParaRPr lang="en-US" sz="1100" b="1" dirty="0">
-              <a:solidFill>
-                <a:srgbClr val="008774"/>
-              </a:solidFill>
-              <a:latin typeface="Courier New"/>
-              <a:cs typeface="Courier New"/>
-            </a:endParaRPr>
           </a:p>
           <a:p>
             <a:r>
@@ -9796,20 +9473,10 @@
                 <a:latin typeface="Courier New"/>
                 <a:cs typeface="Courier New"/>
               </a:rPr>
-              <a:t>@</a:t>
-            </a:r>
-            <a:r>
-              <a:rPr lang="en-US" sz="1100" b="1" dirty="0" smtClean="0">
-                <a:solidFill>
-                  <a:srgbClr val="008774"/>
-                </a:solidFill>
-                <a:latin typeface="Courier New"/>
-                <a:cs typeface="Courier New"/>
-              </a:rPr>
-              <a:t>EnableDiscoveryClient</a:t>
-            </a:r>
-            <a:r>
-              <a:rPr lang="en-US" sz="1100" b="1" dirty="0" smtClean="0">
+              <a:t>@EnableDiscoveryClient</a:t>
+            </a:r>
+            <a:r>
+              <a:rPr lang="en-US" sz="1100" b="1" dirty="0">
                 <a:solidFill>
                   <a:srgbClr val="FF0000"/>
                 </a:solidFill>
@@ -9818,7 +9485,7 @@
               </a:rPr>
               <a:t> </a:t>
             </a:r>
-            <a:endParaRPr lang="en-US" sz="1100" b="1" dirty="0" smtClean="0">
+            <a:endParaRPr lang="en-US" sz="1100" b="1" dirty="0">
               <a:solidFill>
                 <a:schemeClr val="accent1"/>
               </a:solidFill>
@@ -9829,7 +9496,7 @@
           <a:p>
             <a:pPr latinLnBrk="1"/>
             <a:r>
-              <a:rPr lang="en-US" sz="1100" dirty="0" smtClean="0">
+              <a:rPr lang="en-US" sz="1100" dirty="0">
                 <a:latin typeface="Courier New"/>
                 <a:cs typeface="Courier New"/>
               </a:rPr>
@@ -9839,7 +9506,7 @@
           <a:p>
             <a:pPr latinLnBrk="1"/>
             <a:r>
-              <a:rPr lang="en-US" sz="1100" dirty="0" smtClean="0">
+              <a:rPr lang="en-US" sz="1100" dirty="0">
                 <a:latin typeface="Courier New"/>
                 <a:cs typeface="Courier New"/>
               </a:rPr>
@@ -9848,18 +9515,11 @@
           </a:p>
           <a:p>
             <a:r>
-              <a:rPr lang="en-US" sz="1100" dirty="0" smtClean="0">
-                <a:latin typeface="Courier New"/>
-                <a:cs typeface="Courier New"/>
-              </a:rPr>
-              <a:t>   </a:t>
-            </a:r>
-            <a:r>
               <a:rPr lang="en-US" sz="1100" dirty="0">
                 <a:latin typeface="Courier New"/>
                 <a:cs typeface="Courier New"/>
               </a:rPr>
-              <a:t>public static </a:t>
+              <a:t>   public static </a:t>
             </a:r>
             <a:r>
               <a:rPr lang="en-US" sz="1100" dirty="0">
@@ -9887,17 +9547,10 @@
                 <a:latin typeface="Courier New"/>
                 <a:cs typeface="Courier New"/>
               </a:rPr>
-              <a:t>     SpringApplication.run</a:t>
-            </a:r>
-            <a:r>
-              <a:rPr lang="en-US" sz="1100" dirty="0" smtClean="0">
-                <a:latin typeface="Courier New"/>
-                <a:cs typeface="Courier New"/>
-              </a:rPr>
-              <a:t>(MyAPIGateway</a:t>
-            </a:r>
-            <a:r>
-              <a:rPr lang="en-US" sz="1100" dirty="0" smtClean="0">
+              <a:t>     SpringApplication.run(MyAPIGateway</a:t>
+            </a:r>
+            <a:r>
+              <a:rPr lang="en-US" sz="1100" dirty="0">
                 <a:solidFill>
                   <a:srgbClr val="1F6FB8"/>
                 </a:solidFill>
@@ -9920,14 +9573,7 @@
                 <a:latin typeface="Courier New"/>
                 <a:cs typeface="Courier New"/>
               </a:rPr>
-              <a:t>   </a:t>
-            </a:r>
-            <a:r>
-              <a:rPr lang="en-US" sz="1100" dirty="0" smtClean="0">
-                <a:latin typeface="Courier New"/>
-                <a:cs typeface="Courier New"/>
-              </a:rPr>
-              <a:t>}</a:t>
+              <a:t>   }</a:t>
             </a:r>
           </a:p>
           <a:p>
@@ -9970,99 +9616,43 @@
                 <a:latin typeface="Courier New"/>
                 <a:cs typeface="Courier New"/>
               </a:rPr>
-              <a:t>zuul</a:t>
-            </a:r>
-            <a:r>
-              <a:rPr lang="en-US" sz="1200" dirty="0" smtClean="0">
-                <a:latin typeface="Courier New"/>
-                <a:cs typeface="Courier New"/>
-              </a:rPr>
-              <a:t>:</a:t>
-            </a:r>
-          </a:p>
-          <a:p>
-            <a:r>
-              <a:rPr lang="en-US" sz="1200" dirty="0" smtClean="0">
-                <a:latin typeface="Courier New"/>
-                <a:cs typeface="Courier New"/>
-              </a:rPr>
-              <a:t>   </a:t>
-            </a:r>
+              <a:t>zuul:</a:t>
+            </a:r>
+          </a:p>
+          <a:p>
             <a:r>
               <a:rPr lang="en-US" sz="1200" dirty="0">
                 <a:latin typeface="Courier New"/>
                 <a:cs typeface="Courier New"/>
               </a:rPr>
-              <a:t>routes</a:t>
-            </a:r>
-            <a:r>
-              <a:rPr lang="en-US" sz="1200" dirty="0" smtClean="0">
-                <a:latin typeface="Courier New"/>
-                <a:cs typeface="Courier New"/>
-              </a:rPr>
-              <a:t>:</a:t>
-            </a:r>
-          </a:p>
-          <a:p>
-            <a:r>
-              <a:rPr lang="en-US" sz="1200" dirty="0" smtClean="0">
-                <a:latin typeface="Courier New"/>
-                <a:cs typeface="Courier New"/>
-              </a:rPr>
-              <a:t>     </a:t>
-            </a:r>
+              <a:t>   routes:</a:t>
+            </a:r>
+          </a:p>
+          <a:p>
             <a:r>
               <a:rPr lang="en-US" sz="1200" dirty="0">
                 <a:latin typeface="Courier New"/>
                 <a:cs typeface="Courier New"/>
               </a:rPr>
-              <a:t>users</a:t>
-            </a:r>
-            <a:r>
-              <a:rPr lang="en-US" sz="1200" dirty="0" smtClean="0">
-                <a:latin typeface="Courier New"/>
-                <a:cs typeface="Courier New"/>
-              </a:rPr>
-              <a:t>:</a:t>
-            </a:r>
-          </a:p>
-          <a:p>
-            <a:r>
-              <a:rPr lang="en-US" sz="1200" dirty="0" smtClean="0">
-                <a:latin typeface="Courier New"/>
-                <a:cs typeface="Courier New"/>
-              </a:rPr>
-              <a:t>       </a:t>
-            </a:r>
+              <a:t>     users:</a:t>
+            </a:r>
+          </a:p>
+          <a:p>
             <a:r>
               <a:rPr lang="en-US" sz="1200" dirty="0">
                 <a:latin typeface="Courier New"/>
                 <a:cs typeface="Courier New"/>
               </a:rPr>
-              <a:t>path: /myusers/*</a:t>
-            </a:r>
-            <a:r>
-              <a:rPr lang="en-US" sz="1200" dirty="0" smtClean="0">
-                <a:latin typeface="Courier New"/>
-                <a:cs typeface="Courier New"/>
-              </a:rPr>
-              <a:t>*</a:t>
-            </a:r>
-          </a:p>
-          <a:p>
-            <a:r>
-              <a:rPr lang="en-US" sz="1200" dirty="0" smtClean="0">
-                <a:latin typeface="Courier New"/>
-                <a:cs typeface="Courier New"/>
-              </a:rPr>
-              <a:t>       </a:t>
-            </a:r>
+              <a:t>       path: /myusers/**</a:t>
+            </a:r>
+          </a:p>
+          <a:p>
             <a:r>
               <a:rPr lang="en-US" sz="1200" dirty="0">
                 <a:latin typeface="Courier New"/>
                 <a:cs typeface="Courier New"/>
               </a:rPr>
-              <a:t>serviceId: users_service  </a:t>
+              <a:t>       serviceId: users_service  </a:t>
             </a:r>
           </a:p>
         </p:txBody>
@@ -10095,21 +9685,8 @@
                   <a:schemeClr val="accent1"/>
                 </a:solidFill>
               </a:rPr>
-              <a:t>a</a:t>
-            </a:r>
-            <a:r>
-              <a:rPr lang="en-US" dirty="0" smtClean="0">
-                <a:solidFill>
-                  <a:schemeClr val="accent1"/>
-                </a:solidFill>
-              </a:rPr>
-              <a:t>pplication.yml</a:t>
-            </a:r>
-            <a:endParaRPr lang="en-US" dirty="0">
-              <a:solidFill>
-                <a:schemeClr val="accent1"/>
-              </a:solidFill>
-            </a:endParaRPr>
+              <a:t>application.yml</a:t>
+            </a:r>
           </a:p>
         </p:txBody>
       </p:sp>
@@ -10136,7 +9713,7 @@
           <a:lstStyle/>
           <a:p>
             <a:r>
-              <a:rPr lang="en-US" sz="1200" b="1" dirty="0" smtClean="0">
+              <a:rPr lang="en-US" sz="1200" b="1" dirty="0">
                 <a:solidFill>
                   <a:srgbClr val="FF0000"/>
                 </a:solidFill>
@@ -10144,18 +9721,7 @@
                 <a:cs typeface="Courier New"/>
                 <a:sym typeface="Wingdings"/>
               </a:rPr>
-              <a:t> </a:t>
-            </a:r>
-            <a:r>
-              <a:rPr lang="en-US" sz="1200" b="1" dirty="0">
-                <a:solidFill>
-                  <a:srgbClr val="FF0000"/>
-                </a:solidFill>
-                <a:latin typeface="Courier New"/>
-                <a:cs typeface="Courier New"/>
-                <a:sym typeface="Wingdings"/>
-              </a:rPr>
-              <a:t>MAGIC!!</a:t>
+              <a:t> MAGIC!!</a:t>
             </a:r>
             <a:endParaRPr lang="en-US" sz="1200" b="1" dirty="0">
               <a:solidFill>
@@ -10230,30 +9796,21 @@
           <a:lstStyle/>
           <a:p>
             <a:r>
-              <a:rPr lang="en-US" sz="1800" b="1" dirty="0" smtClean="0"/>
+              <a:rPr lang="en-US" sz="1800" b="1" dirty="0"/>
               <a:t>API proxy will be created at /myusers</a:t>
             </a:r>
           </a:p>
           <a:p>
             <a:r>
-              <a:rPr lang="en-US" sz="1800" b="1" dirty="0" smtClean="0"/>
+              <a:rPr lang="en-US" sz="1800" b="1" dirty="0"/>
               <a:t>Ribbon/Zuul creates load balancer for Eureka service “users_service”</a:t>
             </a:r>
           </a:p>
           <a:p>
             <a:r>
-              <a:rPr lang="en-US" sz="1800" b="1" dirty="0" smtClean="0"/>
-              <a:t>All requests </a:t>
-            </a:r>
-            <a:r>
               <a:rPr lang="en-US" sz="1800" b="1" dirty="0"/>
-              <a:t>are executed in a H</a:t>
-            </a:r>
-            <a:r>
-              <a:rPr lang="en-US" sz="1800" b="1" dirty="0" smtClean="0"/>
-              <a:t>ystrix command</a:t>
-            </a:r>
-            <a:endParaRPr lang="en-US" sz="1800" b="1" dirty="0"/>
+              <a:t>All requests are executed in a Hystrix command</a:t>
+            </a:r>
           </a:p>
         </p:txBody>
       </p:sp>
@@ -10267,18 +9824,10 @@
   <p:clrMapOvr>
     <a:masterClrMapping/>
   </p:clrMapOvr>
-  <mc:AlternateContent xmlns:mc="http://schemas.openxmlformats.org/markup-compatibility/2006" xmlns:p14="http://schemas.microsoft.com/office/powerpoint/2010/main">
-    <mc:Choice Requires="p14">
-      <p:transition spd="slow" p14:dur="2000"/>
-    </mc:Choice>
-    <mc:Fallback xmlns="">
-      <p:transition xmlns:p14="http://schemas.microsoft.com/office/powerpoint/2010/main" spd="slow"/>
-    </mc:Fallback>
-  </mc:AlternateContent>
   <p:timing>
     <p:tnLst>
       <p:par>
-        <p:cTn xmlns:p14="http://schemas.microsoft.com/office/powerpoint/2010/main" id="1" dur="indefinite" restart="never" nodeType="tmRoot">
+        <p:cTn id="1" dur="indefinite" restart="never" nodeType="tmRoot">
           <p:childTnLst>
             <p:seq concurrent="1" nextAc="seek">
               <p:cTn id="2" dur="indefinite" nodeType="mainSeq">
@@ -10727,14 +10276,6 @@
             <a:pPr algn="ctr">
               <a:buSzPct val="25000"/>
             </a:pPr>
-            <a:r>
-              <a:rPr lang="en-US" b="1" cap="all" dirty="0" smtClean="0">
-                <a:solidFill>
-                  <a:srgbClr val="74CEC7"/>
-                </a:solidFill>
-              </a:rPr>
-              <a:t>Lab</a:t>
-            </a:r>
             <a:endParaRPr lang="en" sz="2100" b="1" cap="all" dirty="0">
               <a:solidFill>
                 <a:srgbClr val="74CEC7"/>
@@ -10753,21 +10294,6 @@
   <p:clrMapOvr>
     <a:masterClrMapping/>
   </p:clrMapOvr>
-  <mc:AlternateContent xmlns:mc="http://schemas.openxmlformats.org/markup-compatibility/2006" xmlns:p14="http://schemas.microsoft.com/office/powerpoint/2010/main">
-    <mc:Choice Requires="p14">
-      <p:transition p14:dur="0"/>
-    </mc:Choice>
-    <mc:Fallback xmlns="">
-      <p:transition xmlns:p14="http://schemas.microsoft.com/office/powerpoint/2010/main"/>
-    </mc:Fallback>
-  </mc:AlternateContent>
-  <p:timing>
-    <p:tnLst>
-      <p:par>
-        <p:cTn xmlns:p14="http://schemas.microsoft.com/office/powerpoint/2010/main" id="1" dur="indefinite" restart="never" nodeType="tmRoot"/>
-      </p:par>
-    </p:tnLst>
-  </p:timing>
 </p:sld>
 </file>
 
@@ -10804,10 +10330,9 @@
           <a:lstStyle/>
           <a:p>
             <a:r>
-              <a:rPr lang="en-US" dirty="0" smtClean="0"/>
+              <a:rPr lang="en-US" dirty="0"/>
               <a:t>Distributed Service Challenges</a:t>
             </a:r>
-            <a:endParaRPr lang="en-US" dirty="0"/>
           </a:p>
         </p:txBody>
       </p:sp>
@@ -10828,14 +10353,10 @@
           <a:p>
             <a:r>
               <a:rPr lang="en-US" sz="1800" dirty="0"/>
-              <a:t>Service Discovery is one of the key tenets of a microservice based architecture</a:t>
-            </a:r>
-            <a:r>
-              <a:rPr lang="en-US" sz="1800" dirty="0" smtClean="0"/>
-              <a:t>.</a:t>
+              <a:t>Service Discovery is one of the key tenets of a microservice based architecture.</a:t>
             </a:r>
             <a:br>
-              <a:rPr lang="en-US" sz="1800" dirty="0" smtClean="0"/>
+              <a:rPr lang="en-US" sz="1800" dirty="0"/>
             </a:br>
             <a:endParaRPr lang="en-US" sz="1800" dirty="0"/>
           </a:p>
@@ -10845,35 +10366,31 @@
               <a:t>In distributed systems, </a:t>
             </a:r>
             <a:r>
-              <a:rPr lang="en-US" sz="1800" b="1" i="1" u="sng" dirty="0" smtClean="0"/>
+              <a:rPr lang="en-US" sz="1800" b="1" i="1" u="sng" dirty="0"/>
               <a:t>dependencies != inter-process</a:t>
             </a:r>
             <a:r>
-              <a:rPr lang="en-US" sz="1800" b="1" dirty="0" smtClean="0"/>
+              <a:rPr lang="en-US" sz="1800" b="1" dirty="0"/>
               <a:t> </a:t>
             </a:r>
             <a:r>
-              <a:rPr lang="en-US" sz="1800" dirty="0" smtClean="0"/>
+              <a:rPr lang="en-US" sz="1800" dirty="0"/>
               <a:t>method call</a:t>
             </a:r>
             <a:br>
-              <a:rPr lang="en-US" sz="1800" dirty="0" smtClean="0"/>
+              <a:rPr lang="en-US" sz="1800" dirty="0"/>
             </a:br>
             <a:endParaRPr lang="en-US" sz="1800" dirty="0"/>
           </a:p>
           <a:p>
             <a:r>
               <a:rPr lang="en-US" sz="1800" dirty="0"/>
-              <a:t>Trying to hand configure each client or use some form of convention can be very difficult to do and can be very brittle</a:t>
-            </a:r>
-            <a:r>
-              <a:rPr lang="en-US" sz="1800" dirty="0" smtClean="0"/>
-              <a:t>.</a:t>
+              <a:t>Trying to hand configure each client or use some form of convention can be very difficult to do and can be very brittle.</a:t>
             </a:r>
             <a:br>
-              <a:rPr lang="en-US" sz="1800" dirty="0" smtClean="0"/>
+              <a:rPr lang="en-US" sz="1800" dirty="0"/>
             </a:br>
-            <a:endParaRPr lang="en-US" sz="1800" dirty="0" smtClean="0"/>
+            <a:endParaRPr lang="en-US" sz="1800" dirty="0"/>
           </a:p>
           <a:p>
             <a:r>
@@ -10929,13 +10446,6 @@
   <p:clrMapOvr>
     <a:masterClrMapping/>
   </p:clrMapOvr>
-  <p:timing>
-    <p:tnLst>
-      <p:par>
-        <p:cTn xmlns:p14="http://schemas.microsoft.com/office/powerpoint/2010/main" id="1" dur="indefinite" restart="never" nodeType="tmRoot"/>
-      </p:par>
-    </p:tnLst>
-  </p:timing>
 </p:sld>
 </file>
 
@@ -11010,13 +10520,6 @@
   <p:clrMapOvr>
     <a:masterClrMapping/>
   </p:clrMapOvr>
-  <p:timing>
-    <p:tnLst>
-      <p:par>
-        <p:cTn xmlns:p14="http://schemas.microsoft.com/office/powerpoint/2010/main" id="1" dur="indefinite" restart="never" nodeType="tmRoot"/>
-      </p:par>
-    </p:tnLst>
-  </p:timing>
 </p:sld>
 </file>
 
@@ -11054,11 +10557,7 @@
           <a:p>
             <a:r>
               <a:rPr lang="en-US" dirty="0"/>
-              <a:t>Spring Cloud </a:t>
-            </a:r>
-            <a:r>
-              <a:rPr lang="en-US" dirty="0" smtClean="0"/>
-              <a:t>Service Registry</a:t>
+              <a:t>Spring Cloud Service Registry</a:t>
             </a:r>
             <a:endParaRPr lang="en-US" dirty="0">
               <a:solidFill>
@@ -11092,64 +10591,55 @@
           <a:p>
             <a:pPr lvl="0" fontAlgn="base"/>
             <a:r>
-              <a:rPr lang="en-US" sz="1800" b="1" dirty="0" smtClean="0"/>
-              <a:t>Provides </a:t>
-            </a:r>
-            <a:r>
               <a:rPr lang="en-US" sz="1800" b="1" dirty="0"/>
-              <a:t>an </a:t>
-            </a:r>
-            <a:r>
-              <a:rPr lang="en-US" sz="1800" b="1" dirty="0" smtClean="0"/>
-              <a:t>HTTP interface + client libs for client registry/discovery</a:t>
-            </a:r>
+              <a:t>Provides an HTTP interface + client libs for client registry/discovery</a:t>
+            </a:r>
+          </a:p>
+          <a:p>
+            <a:pPr lvl="0" fontAlgn="base"/>
             <a:endParaRPr lang="en-US" sz="1800" b="1" dirty="0"/>
           </a:p>
           <a:p>
             <a:pPr lvl="0" fontAlgn="base"/>
-            <a:endParaRPr lang="en-US" sz="1800" b="1" dirty="0" smtClean="0"/>
+            <a:r>
+              <a:rPr lang="en-US" sz="1800" b="1" dirty="0"/>
+              <a:t>Registry server collects heartbeats, maintains registry of available services/instances, exchanges registries with local peers + other “zones”</a:t>
+            </a:r>
           </a:p>
           <a:p>
             <a:pPr lvl="0" fontAlgn="base"/>
-            <a:r>
-              <a:rPr lang="en-US" sz="1800" b="1" dirty="0" smtClean="0"/>
-              <a:t>Registry server collects heartbeats, maintains registry of available services/instances, exchanges registries with local peers + other “zones”</a:t>
-            </a:r>
+            <a:endParaRPr lang="en-US" sz="1800" b="1" dirty="0"/>
           </a:p>
           <a:p>
             <a:pPr lvl="0" fontAlgn="base"/>
-            <a:endParaRPr lang="en-US" sz="1800" b="1" dirty="0" smtClean="0"/>
-          </a:p>
-          <a:p>
-            <a:pPr lvl="0" fontAlgn="base"/>
-            <a:r>
-              <a:rPr lang="en-US" sz="1800" b="1" dirty="0" smtClean="0"/>
+            <a:r>
+              <a:rPr lang="en-US" sz="1800" b="1" dirty="0"/>
               <a:t>Registry contains detailed information about each service</a:t>
             </a:r>
           </a:p>
           <a:p>
             <a:pPr lvl="1" fontAlgn="base"/>
             <a:r>
-              <a:rPr lang="en-US" sz="1400" b="1" dirty="0" smtClean="0"/>
+              <a:rPr lang="en-US" sz="1400" b="1" dirty="0"/>
               <a:t>Service name, Host &amp; port of each instance</a:t>
             </a:r>
           </a:p>
           <a:p>
             <a:pPr lvl="1" fontAlgn="base"/>
             <a:r>
-              <a:rPr lang="en-US" sz="1400" b="1" dirty="0" smtClean="0"/>
+              <a:rPr lang="en-US" sz="1400" b="1" dirty="0"/>
               <a:t>Health indicator, URLs (health, homepage, </a:t>
             </a:r>
             <a:r>
-              <a:rPr lang="en-US" sz="1400" b="1" dirty="0" err="1" smtClean="0"/>
+              <a:rPr lang="en-US" sz="1400" b="1" dirty="0" err="1"/>
               <a:t>etc</a:t>
             </a:r>
             <a:r>
-              <a:rPr lang="en-US" sz="1400" b="1" dirty="0" smtClean="0"/>
+              <a:rPr lang="en-US" sz="1400" b="1" dirty="0"/>
               <a:t>)</a:t>
             </a:r>
             <a:br>
-              <a:rPr lang="en-US" sz="1400" b="1" dirty="0" smtClean="0"/>
+              <a:rPr lang="en-US" sz="1400" b="1" dirty="0"/>
             </a:br>
             <a:endParaRPr lang="en-US" sz="1800" dirty="0"/>
           </a:p>
@@ -11160,11 +10650,11 @@
               <a:t>Embeddable easily in a Spring Boot application using @</a:t>
             </a:r>
             <a:r>
-              <a:rPr lang="en-US" sz="1800" b="1" dirty="0" err="1" smtClean="0"/>
+              <a:rPr lang="en-US" sz="1800" b="1" dirty="0" err="1"/>
               <a:t>EnableEurekaServer</a:t>
             </a:r>
             <a:r>
-              <a:rPr lang="en-US" sz="1800" b="1" dirty="0" smtClean="0"/>
+              <a:rPr lang="en-US" sz="1800" b="1" dirty="0"/>
               <a:t> and @EnableDiscoveryClient</a:t>
             </a:r>
             <a:endParaRPr lang="en-US" sz="1800" dirty="0"/>
@@ -11181,21 +10671,6 @@
   <p:clrMapOvr>
     <a:masterClrMapping/>
   </p:clrMapOvr>
-  <mc:AlternateContent xmlns:mc="http://schemas.openxmlformats.org/markup-compatibility/2006" xmlns:p14="http://schemas.microsoft.com/office/powerpoint/2010/main">
-    <mc:Choice Requires="p14">
-      <p:transition spd="slow" p14:dur="2000"/>
-    </mc:Choice>
-    <mc:Fallback xmlns="">
-      <p:transition xmlns:p14="http://schemas.microsoft.com/office/powerpoint/2010/main" spd="slow"/>
-    </mc:Fallback>
-  </mc:AlternateContent>
-  <p:timing>
-    <p:tnLst>
-      <p:par>
-        <p:cTn xmlns:p14="http://schemas.microsoft.com/office/powerpoint/2010/main" id="1" dur="indefinite" restart="never" nodeType="tmRoot"/>
-      </p:par>
-    </p:tnLst>
-  </p:timing>
 </p:sld>
 </file>
 
@@ -11232,10 +10707,9 @@
           <a:lstStyle/>
           <a:p>
             <a:r>
-              <a:rPr lang="en-US" dirty="0" smtClean="0"/>
+              <a:rPr lang="en-US" dirty="0"/>
               <a:t>Service Registry – Availability Zones</a:t>
             </a:r>
-            <a:endParaRPr lang="en-US" dirty="0"/>
           </a:p>
         </p:txBody>
       </p:sp>
@@ -11523,10 +10997,9 @@
             <a:p>
               <a:pPr algn="ctr"/>
               <a:r>
-                <a:rPr lang="en-US" sz="1400" dirty="0" smtClean="0"/>
+                <a:rPr lang="en-US" sz="1400" dirty="0"/>
                 <a:t>Service Registry</a:t>
               </a:r>
-              <a:endParaRPr lang="en-US" sz="1400" dirty="0"/>
             </a:p>
           </p:txBody>
         </p:sp>
@@ -11805,7 +11278,7 @@
             <a:p>
               <a:pPr algn="ctr"/>
               <a:r>
-                <a:rPr lang="en-US" sz="1400" dirty="0" smtClean="0"/>
+                <a:rPr lang="en-US" sz="1400" dirty="0"/>
                 <a:t>Client</a:t>
               </a:r>
             </a:p>
@@ -11900,10 +11373,9 @@
             <a:p>
               <a:pPr algn="ctr"/>
               <a:r>
-                <a:rPr lang="en-US" sz="1400" dirty="0" smtClean="0"/>
+                <a:rPr lang="en-US" sz="1400" dirty="0"/>
                 <a:t>Service</a:t>
               </a:r>
-              <a:endParaRPr lang="en-US" sz="1400" dirty="0"/>
             </a:p>
           </p:txBody>
         </p:sp>
@@ -11996,10 +11468,9 @@
             <a:p>
               <a:pPr algn="ctr"/>
               <a:r>
-                <a:rPr lang="en-US" sz="1400" dirty="0" smtClean="0"/>
+                <a:rPr lang="en-US" sz="1400" dirty="0"/>
                 <a:t>Client</a:t>
               </a:r>
-              <a:endParaRPr lang="en-US" sz="1400" dirty="0"/>
             </a:p>
           </p:txBody>
         </p:sp>
@@ -12092,10 +11563,9 @@
             <a:p>
               <a:pPr algn="ctr"/>
               <a:r>
-                <a:rPr lang="en-US" sz="1400" dirty="0" smtClean="0"/>
+                <a:rPr lang="en-US" sz="1400" dirty="0"/>
                 <a:t>Service</a:t>
               </a:r>
-              <a:endParaRPr lang="en-US" sz="1400" dirty="0"/>
             </a:p>
           </p:txBody>
         </p:sp>
@@ -12122,18 +11592,13 @@
             <a:lstStyle/>
             <a:p>
               <a:r>
-                <a:rPr lang="en-US" b="1" dirty="0" smtClean="0">
+                <a:rPr lang="en-US" b="1" dirty="0">
                   <a:solidFill>
                     <a:schemeClr val="bg1"/>
                   </a:solidFill>
                 </a:rPr>
                 <a:t>West ‘Zone’</a:t>
               </a:r>
-              <a:endParaRPr lang="en-US" b="1" dirty="0">
-                <a:solidFill>
-                  <a:schemeClr val="bg1"/>
-                </a:solidFill>
-              </a:endParaRPr>
             </a:p>
           </p:txBody>
         </p:sp>
@@ -12160,18 +11625,13 @@
             <a:lstStyle/>
             <a:p>
               <a:r>
-                <a:rPr lang="en-US" b="1" dirty="0" smtClean="0">
+                <a:rPr lang="en-US" b="1" dirty="0">
                   <a:solidFill>
                     <a:schemeClr val="bg1"/>
                   </a:solidFill>
                 </a:rPr>
                 <a:t>East ‘Zone’</a:t>
               </a:r>
-              <a:endParaRPr lang="en-US" b="1" dirty="0">
-                <a:solidFill>
-                  <a:schemeClr val="bg1"/>
-                </a:solidFill>
-              </a:endParaRPr>
             </a:p>
           </p:txBody>
         </p:sp>
@@ -12443,18 +11903,13 @@
             <a:lstStyle/>
             <a:p>
               <a:r>
-                <a:rPr lang="en-US" sz="1200" dirty="0" smtClean="0">
+                <a:rPr lang="en-US" sz="1200" dirty="0">
                   <a:solidFill>
                     <a:schemeClr val="bg1"/>
                   </a:solidFill>
                 </a:rPr>
                 <a:t>Register</a:t>
               </a:r>
-              <a:endParaRPr lang="en-US" sz="1200" dirty="0">
-                <a:solidFill>
-                  <a:schemeClr val="bg1"/>
-                </a:solidFill>
-              </a:endParaRPr>
             </a:p>
           </p:txBody>
         </p:sp>
@@ -12481,18 +11936,13 @@
             <a:lstStyle/>
             <a:p>
               <a:r>
-                <a:rPr lang="en-US" sz="1200" dirty="0" smtClean="0">
+                <a:rPr lang="en-US" sz="1200" dirty="0">
                   <a:solidFill>
                     <a:schemeClr val="bg1"/>
                   </a:solidFill>
                 </a:rPr>
                 <a:t>Register</a:t>
               </a:r>
-              <a:endParaRPr lang="en-US" sz="1200" dirty="0">
-                <a:solidFill>
-                  <a:schemeClr val="bg1"/>
-                </a:solidFill>
-              </a:endParaRPr>
             </a:p>
           </p:txBody>
         </p:sp>
@@ -12519,18 +11969,13 @@
             <a:lstStyle/>
             <a:p>
               <a:r>
-                <a:rPr lang="en-US" sz="1200" dirty="0" smtClean="0">
+                <a:rPr lang="en-US" sz="1200" dirty="0">
                   <a:solidFill>
                     <a:schemeClr val="bg1"/>
                   </a:solidFill>
                 </a:rPr>
                 <a:t>Exchange</a:t>
               </a:r>
-              <a:endParaRPr lang="en-US" sz="1200" dirty="0">
-                <a:solidFill>
-                  <a:schemeClr val="bg1"/>
-                </a:solidFill>
-              </a:endParaRPr>
             </a:p>
           </p:txBody>
         </p:sp>
@@ -12609,18 +12054,13 @@
             <a:lstStyle/>
             <a:p>
               <a:r>
-                <a:rPr lang="en-US" sz="1200" dirty="0" smtClean="0">
+                <a:rPr lang="en-US" sz="1200" dirty="0">
                   <a:solidFill>
                     <a:schemeClr val="bg1"/>
                   </a:solidFill>
                 </a:rPr>
                 <a:t>Discover</a:t>
               </a:r>
-              <a:endParaRPr lang="en-US" sz="1200" dirty="0">
-                <a:solidFill>
-                  <a:schemeClr val="bg1"/>
-                </a:solidFill>
-              </a:endParaRPr>
             </a:p>
           </p:txBody>
         </p:sp>
@@ -12701,18 +12141,13 @@
             <a:lstStyle/>
             <a:p>
               <a:r>
-                <a:rPr lang="en-US" sz="1200" dirty="0" smtClean="0">
+                <a:rPr lang="en-US" sz="1200" dirty="0">
                   <a:solidFill>
                     <a:schemeClr val="bg1"/>
                   </a:solidFill>
                 </a:rPr>
                 <a:t>Connect</a:t>
               </a:r>
-              <a:endParaRPr lang="en-US" sz="1200" dirty="0">
-                <a:solidFill>
-                  <a:schemeClr val="bg1"/>
-                </a:solidFill>
-              </a:endParaRPr>
             </a:p>
           </p:txBody>
         </p:sp>
@@ -12739,7 +12174,7 @@
           <a:lstStyle/>
           <a:p>
             <a:r>
-              <a:rPr lang="en-US" sz="6000" b="1" dirty="0" smtClean="0">
+              <a:rPr lang="en-US" sz="6000" b="1" dirty="0">
                 <a:solidFill>
                   <a:srgbClr val="FF0000"/>
                 </a:solidFill>
@@ -12750,7 +12185,7 @@
               <a:t>✗</a:t>
             </a:r>
             <a:r>
-              <a:rPr lang="en-US" sz="6000" b="1" dirty="0" smtClean="0">
+              <a:rPr lang="en-US" sz="6000" b="1" dirty="0">
                 <a:solidFill>
                   <a:srgbClr val="FF0000"/>
                 </a:solidFill>
@@ -12791,7 +12226,7 @@
           <a:lstStyle/>
           <a:p>
             <a:r>
-              <a:rPr lang="en-US" sz="3200" b="1" dirty="0" smtClean="0">
+              <a:rPr lang="en-US" sz="3200" b="1" dirty="0">
                 <a:solidFill>
                   <a:srgbClr val="FF0000"/>
                 </a:solidFill>
@@ -12802,7 +12237,7 @@
               <a:t>✗</a:t>
             </a:r>
             <a:r>
-              <a:rPr lang="en-US" sz="3200" b="1" dirty="0" smtClean="0">
+              <a:rPr lang="en-US" sz="3200" b="1" dirty="0">
                 <a:solidFill>
                   <a:srgbClr val="FF0000"/>
                 </a:solidFill>
@@ -12834,7 +12269,7 @@
   <p:timing>
     <p:tnLst>
       <p:par>
-        <p:cTn xmlns:p14="http://schemas.microsoft.com/office/powerpoint/2010/main" id="1" dur="indefinite" restart="never" nodeType="tmRoot">
+        <p:cTn id="1" dur="indefinite" restart="never" nodeType="tmRoot">
           <p:childTnLst>
             <p:seq concurrent="1" nextAc="seek">
               <p:cTn id="2" dur="indefinite" nodeType="mainSeq">
@@ -13180,7 +12615,7 @@
           <a:lstStyle/>
           <a:p>
             <a:r>
-              <a:rPr lang="en-US" dirty="0" smtClean="0"/>
+              <a:rPr lang="en-US" dirty="0"/>
               <a:t>Client Service Discovery</a:t>
             </a:r>
             <a:endParaRPr lang="en-US" dirty="0">
@@ -13223,22 +12658,12 @@
                 <a:latin typeface="Courier New"/>
                 <a:cs typeface="Courier New"/>
               </a:rPr>
-              <a:t>@</a:t>
-            </a:r>
-            <a:r>
-              <a:rPr lang="en-US" sz="1200" b="1" dirty="0" smtClean="0">
-                <a:solidFill>
-                  <a:srgbClr val="008774"/>
-                </a:solidFill>
-                <a:latin typeface="Courier New"/>
-                <a:cs typeface="Courier New"/>
-              </a:rPr>
-              <a:t>SpringBootApplication</a:t>
-            </a:r>
-          </a:p>
-          <a:p>
-            <a:r>
-              <a:rPr lang="en-US" sz="1200" b="1" dirty="0" smtClean="0">
+              <a:t>@SpringBootApplication</a:t>
+            </a:r>
+          </a:p>
+          <a:p>
+            <a:r>
+              <a:rPr lang="en-US" sz="1200" b="1" dirty="0">
                 <a:solidFill>
                   <a:srgbClr val="008774"/>
                 </a:solidFill>
@@ -13247,7 +12672,7 @@
               </a:rPr>
               <a:t>@EnableDiscoveryClient</a:t>
             </a:r>
-            <a:endParaRPr lang="en-US" sz="1200" b="1" dirty="0" smtClean="0">
+            <a:endParaRPr lang="en-US" sz="1200" b="1" dirty="0">
               <a:solidFill>
                 <a:srgbClr val="FF0000"/>
               </a:solidFill>
@@ -13257,21 +12682,14 @@
           </a:p>
           <a:p>
             <a:r>
-              <a:rPr lang="en-US" sz="1200" dirty="0" smtClean="0">
-                <a:latin typeface="Courier New"/>
-                <a:cs typeface="Courier New"/>
-              </a:rPr>
-              <a:t>public </a:t>
-            </a:r>
-            <a:r>
               <a:rPr lang="en-US" sz="1200" dirty="0">
                 <a:latin typeface="Courier New"/>
                 <a:cs typeface="Courier New"/>
               </a:rPr>
-              <a:t>class </a:t>
-            </a:r>
-            <a:r>
-              <a:rPr lang="en-US" sz="1200" dirty="0" smtClean="0">
+              <a:t>public class </a:t>
+            </a:r>
+            <a:r>
+              <a:rPr lang="en-US" sz="1200" dirty="0">
                 <a:solidFill>
                   <a:schemeClr val="accent3"/>
                 </a:solidFill>
@@ -13281,7 +12699,7 @@
               <a:t>MyClientApp</a:t>
             </a:r>
             <a:r>
-              <a:rPr lang="en-US" sz="1200" dirty="0" smtClean="0">
+              <a:rPr lang="en-US" sz="1200" dirty="0">
                 <a:latin typeface="Courier New"/>
                 <a:cs typeface="Courier New"/>
               </a:rPr>
@@ -13290,18 +12708,11 @@
           </a:p>
           <a:p>
             <a:r>
-              <a:rPr lang="en-US" sz="1200" dirty="0" smtClean="0">
-                <a:latin typeface="Courier New"/>
-                <a:cs typeface="Courier New"/>
-              </a:rPr>
-              <a:t>   </a:t>
-            </a:r>
-            <a:r>
               <a:rPr lang="en-US" sz="1200" dirty="0">
                 <a:latin typeface="Courier New"/>
                 <a:cs typeface="Courier New"/>
               </a:rPr>
-              <a:t>public static </a:t>
+              <a:t>   public static </a:t>
             </a:r>
             <a:r>
               <a:rPr lang="en-US" sz="1200" dirty="0">
@@ -13320,40 +12731,19 @@
                 <a:latin typeface="Courier New"/>
                 <a:cs typeface="Courier New"/>
               </a:rPr>
-              <a:t> main(String[] </a:t>
-            </a:r>
-            <a:r>
-              <a:rPr lang="en-US" sz="1200" dirty="0" smtClean="0">
-                <a:latin typeface="Courier New"/>
-                <a:cs typeface="Courier New"/>
-              </a:rPr>
-              <a:t>args</a:t>
-            </a:r>
+              <a:t> main(String[] args) {</a:t>
+            </a:r>
+          </a:p>
+          <a:p>
             <a:r>
               <a:rPr lang="en-US" sz="1200" dirty="0">
                 <a:latin typeface="Courier New"/>
                 <a:cs typeface="Courier New"/>
               </a:rPr>
-              <a:t>) </a:t>
-            </a:r>
-            <a:r>
-              <a:rPr lang="en-US" sz="1200" dirty="0" smtClean="0">
-                <a:latin typeface="Courier New"/>
-                <a:cs typeface="Courier New"/>
-              </a:rPr>
-              <a:t>{</a:t>
-            </a:r>
-          </a:p>
-          <a:p>
-            <a:r>
-              <a:rPr lang="en-US" sz="1200" dirty="0" smtClean="0">
-                <a:latin typeface="Courier New"/>
-                <a:cs typeface="Courier New"/>
-              </a:rPr>
               <a:t>     SpringApplication.run(MyClientApp</a:t>
             </a:r>
             <a:r>
-              <a:rPr lang="en-US" sz="1200" dirty="0" smtClean="0">
+              <a:rPr lang="en-US" sz="1200" dirty="0">
                 <a:solidFill>
                   <a:srgbClr val="1F6FB8"/>
                 </a:solidFill>
@@ -13363,30 +12753,16 @@
               <a:t>.class</a:t>
             </a:r>
             <a:r>
-              <a:rPr lang="en-US" sz="1200" dirty="0" smtClean="0">
-                <a:latin typeface="Courier New"/>
-                <a:cs typeface="Courier New"/>
-              </a:rPr>
-              <a:t>, </a:t>
-            </a:r>
-            <a:r>
               <a:rPr lang="en-US" sz="1200" dirty="0">
                 <a:latin typeface="Courier New"/>
                 <a:cs typeface="Courier New"/>
               </a:rPr>
-              <a:t>args)</a:t>
-            </a:r>
-            <a:r>
-              <a:rPr lang="en-US" sz="1200" dirty="0" smtClean="0">
-                <a:latin typeface="Courier New"/>
-                <a:cs typeface="Courier New"/>
-              </a:rPr>
-              <a:t>;</a:t>
-            </a:r>
-          </a:p>
-          <a:p>
-            <a:r>
-              <a:rPr lang="en-US" sz="1200" dirty="0" smtClean="0">
+              <a:t>, args);</a:t>
+            </a:r>
+          </a:p>
+          <a:p>
+            <a:r>
+              <a:rPr lang="en-US" sz="1200" dirty="0">
                 <a:latin typeface="Courier New"/>
                 <a:cs typeface="Courier New"/>
               </a:rPr>
@@ -13395,16 +12771,12 @@
           </a:p>
           <a:p>
             <a:r>
-              <a:rPr lang="en-US" sz="1200" dirty="0" smtClean="0">
+              <a:rPr lang="en-US" sz="1200" dirty="0">
                 <a:latin typeface="Courier New"/>
                 <a:cs typeface="Courier New"/>
               </a:rPr>
               <a:t>}</a:t>
             </a:r>
-            <a:endParaRPr lang="en-US" sz="1200" dirty="0">
-              <a:latin typeface="Courier New"/>
-              <a:cs typeface="Courier New"/>
-            </a:endParaRPr>
           </a:p>
         </p:txBody>
       </p:sp>
@@ -13437,17 +12809,10 @@
                 <a:latin typeface="Courier New"/>
                 <a:cs typeface="Courier New"/>
               </a:rPr>
-              <a:t> </a:t>
-            </a:r>
-            <a:r>
-              <a:rPr lang="en-US" sz="1200" dirty="0" smtClean="0">
-                <a:latin typeface="Courier New"/>
-                <a:cs typeface="Courier New"/>
-              </a:rPr>
-              <a:t>  public Portfolio </a:t>
-            </a:r>
-            <a:r>
-              <a:rPr lang="en-US" sz="1200" dirty="0" smtClean="0">
+              <a:t>   public Portfolio </a:t>
+            </a:r>
+            <a:r>
+              <a:rPr lang="en-US" sz="1200" dirty="0">
                 <a:solidFill>
                   <a:srgbClr val="77933C"/>
                 </a:solidFill>
@@ -13457,25 +12822,11 @@
               <a:t>accountLookup</a:t>
             </a:r>
             <a:r>
-              <a:rPr lang="en-US" sz="1200" dirty="0" smtClean="0">
-                <a:latin typeface="Courier New"/>
-                <a:cs typeface="Courier New"/>
-              </a:rPr>
-              <a:t>(</a:t>
-            </a:r>
-            <a:r>
               <a:rPr lang="en-US" sz="1200" dirty="0">
                 <a:latin typeface="Courier New"/>
                 <a:cs typeface="Courier New"/>
               </a:rPr>
-              <a:t>String</a:t>
-            </a:r>
-            <a:r>
-              <a:rPr lang="en-US" sz="1200" dirty="0" smtClean="0">
-                <a:latin typeface="Courier New"/>
-                <a:cs typeface="Courier New"/>
-              </a:rPr>
-              <a:t>[acctId) {</a:t>
+              <a:t>(String[acctId) {</a:t>
             </a:r>
           </a:p>
           <a:p>
@@ -13484,14 +12835,7 @@
                 <a:latin typeface="Courier New"/>
                 <a:cs typeface="Courier New"/>
               </a:rPr>
-              <a:t> </a:t>
-            </a:r>
-            <a:r>
-              <a:rPr lang="en-US" sz="1200" dirty="0" smtClean="0">
-                <a:latin typeface="Courier New"/>
-                <a:cs typeface="Courier New"/>
-              </a:rPr>
-              <a:t>     Portfolio p = restTemplate.getForObject(</a:t>
+              <a:t>      Portfolio p = restTemplate.getForObject(</a:t>
             </a:r>
           </a:p>
           <a:p>
@@ -13500,17 +12844,10 @@
                 <a:latin typeface="Courier New"/>
                 <a:cs typeface="Courier New"/>
               </a:rPr>
-              <a:t>	</a:t>
-            </a:r>
-            <a:r>
-              <a:rPr lang="en-US" sz="1200" dirty="0" smtClean="0">
-                <a:latin typeface="Courier New"/>
-                <a:cs typeface="Courier New"/>
-              </a:rPr>
-              <a:t>    </a:t>
-            </a:r>
-            <a:r>
-              <a:rPr lang="en-US" sz="1200" dirty="0" smtClean="0">
+              <a:t>	    </a:t>
+            </a:r>
+            <a:r>
+              <a:rPr lang="en-US" sz="1200" dirty="0">
                 <a:latin typeface="Courier New"/>
                 <a:cs typeface="Courier New"/>
                 <a:hlinkClick r:id="rId3"/>
@@ -13518,7 +12855,7 @@
               <a:t>“http://portfolio-service/portfolio/{accId}</a:t>
             </a:r>
             <a:r>
-              <a:rPr lang="en-US" sz="1200" dirty="0" smtClean="0">
+              <a:rPr lang="en-US" sz="1200" dirty="0">
                 <a:latin typeface="Courier New"/>
                 <a:cs typeface="Courier New"/>
               </a:rPr>
@@ -13531,14 +12868,7 @@
                 <a:latin typeface="Courier New"/>
                 <a:cs typeface="Courier New"/>
               </a:rPr>
-              <a:t>	 </a:t>
-            </a:r>
-            <a:r>
-              <a:rPr lang="en-US" sz="1200" dirty="0" smtClean="0">
-                <a:latin typeface="Courier New"/>
-                <a:cs typeface="Courier New"/>
-              </a:rPr>
-              <a:t>   Portfolio.class</a:t>
+              <a:t>	    Portfolio.class</a:t>
             </a:r>
           </a:p>
           <a:p>
@@ -13547,23 +12877,12 @@
                 <a:latin typeface="Courier New"/>
                 <a:cs typeface="Courier New"/>
               </a:rPr>
-              <a:t>	</a:t>
-            </a:r>
-            <a:r>
-              <a:rPr lang="en-US" sz="1200" dirty="0" smtClean="0">
-                <a:latin typeface="Courier New"/>
-                <a:cs typeface="Courier New"/>
-              </a:rPr>
-              <a:t>    acctId);</a:t>
-            </a:r>
-            <a:endParaRPr lang="en-US" sz="1200" dirty="0">
-              <a:latin typeface="Courier New"/>
-              <a:cs typeface="Courier New"/>
-            </a:endParaRPr>
-          </a:p>
-          <a:p>
-            <a:r>
-              <a:rPr lang="en-US" sz="1200" dirty="0" smtClean="0">
+              <a:t>	    acctId);</a:t>
+            </a:r>
+          </a:p>
+          <a:p>
+            <a:r>
+              <a:rPr lang="en-US" sz="1200" dirty="0">
                 <a:latin typeface="Courier New"/>
                 <a:cs typeface="Courier New"/>
               </a:rPr>
@@ -13572,16 +12891,12 @@
           </a:p>
           <a:p>
             <a:r>
-              <a:rPr lang="en-US" sz="1200" dirty="0" smtClean="0">
+              <a:rPr lang="en-US" sz="1200" dirty="0">
                 <a:latin typeface="Courier New"/>
                 <a:cs typeface="Courier New"/>
               </a:rPr>
               <a:t>   }</a:t>
             </a:r>
-            <a:endParaRPr lang="en-US" sz="1200" dirty="0">
-              <a:latin typeface="Courier New"/>
-              <a:cs typeface="Courier New"/>
-            </a:endParaRPr>
           </a:p>
         </p:txBody>
       </p:sp>
@@ -13608,7 +12923,7 @@
           <a:lstStyle/>
           <a:p>
             <a:r>
-              <a:rPr lang="en-US" sz="1200" b="1" dirty="0" smtClean="0">
+              <a:rPr lang="en-US" sz="1200" b="1" dirty="0">
                 <a:solidFill>
                   <a:srgbClr val="FF0000"/>
                 </a:solidFill>
@@ -13616,18 +12931,7 @@
                 <a:cs typeface="Courier New"/>
                 <a:sym typeface="Wingdings"/>
               </a:rPr>
-              <a:t> </a:t>
-            </a:r>
-            <a:r>
-              <a:rPr lang="en-US" sz="1200" b="1" dirty="0">
-                <a:solidFill>
-                  <a:srgbClr val="FF0000"/>
-                </a:solidFill>
-                <a:latin typeface="Courier New"/>
-                <a:cs typeface="Courier New"/>
-                <a:sym typeface="Wingdings"/>
-              </a:rPr>
-              <a:t>MAGIC!!</a:t>
+              <a:t> MAGIC!!</a:t>
             </a:r>
             <a:endParaRPr lang="en-US" sz="1200" b="1" dirty="0">
               <a:solidFill>
@@ -13704,7 +13008,7 @@
           <a:lstStyle/>
           <a:p>
             <a:r>
-              <a:rPr lang="en-US" sz="1200" b="1" dirty="0" smtClean="0">
+              <a:rPr lang="en-US" sz="1200" b="1" dirty="0">
                 <a:solidFill>
                   <a:srgbClr val="FF0000"/>
                 </a:solidFill>
@@ -13712,18 +13016,7 @@
                 <a:cs typeface="Courier New"/>
                 <a:sym typeface="Wingdings"/>
               </a:rPr>
-              <a:t> </a:t>
-            </a:r>
-            <a:r>
-              <a:rPr lang="en-US" sz="1200" b="1" dirty="0">
-                <a:solidFill>
-                  <a:srgbClr val="FF0000"/>
-                </a:solidFill>
-                <a:latin typeface="Courier New"/>
-                <a:cs typeface="Courier New"/>
-                <a:sym typeface="Wingdings"/>
-              </a:rPr>
-              <a:t>MAGIC!!</a:t>
+              <a:t> MAGIC!!</a:t>
             </a:r>
             <a:endParaRPr lang="en-US" sz="1200" b="1" dirty="0">
               <a:solidFill>
@@ -13811,18 +13104,10 @@
   <p:clrMapOvr>
     <a:masterClrMapping/>
   </p:clrMapOvr>
-  <mc:AlternateContent xmlns:mc="http://schemas.openxmlformats.org/markup-compatibility/2006" xmlns:p14="http://schemas.microsoft.com/office/powerpoint/2010/main">
-    <mc:Choice Requires="p14">
-      <p:transition spd="slow" p14:dur="2000"/>
-    </mc:Choice>
-    <mc:Fallback xmlns="">
-      <p:transition xmlns:p14="http://schemas.microsoft.com/office/powerpoint/2010/main" spd="slow"/>
-    </mc:Fallback>
-  </mc:AlternateContent>
   <p:timing>
     <p:tnLst>
       <p:par>
-        <p:cTn xmlns:p14="http://schemas.microsoft.com/office/powerpoint/2010/main" id="1" dur="indefinite" restart="never" nodeType="tmRoot">
+        <p:cTn id="1" dur="indefinite" restart="never" nodeType="tmRoot">
           <p:childTnLst>
             <p:seq concurrent="1" nextAc="seek">
               <p:cTn id="2" dur="indefinite" nodeType="mainSeq">
@@ -14020,7 +13305,7 @@
           <a:lstStyle/>
           <a:p>
             <a:r>
-              <a:rPr lang="en-US" dirty="0" smtClean="0"/>
+              <a:rPr lang="en-US" dirty="0"/>
               <a:t>Spring Cloud Services: Service Registry</a:t>
             </a:r>
             <a:endParaRPr lang="en-US" dirty="0">
@@ -14058,7 +13343,7 @@
               <a:buChar char="•"/>
             </a:pPr>
             <a:r>
-              <a:rPr lang="en-US" dirty="0" smtClean="0">
+              <a:rPr lang="en-US" dirty="0">
                 <a:solidFill>
                   <a:srgbClr val="FFFFFF"/>
                 </a:solidFill>
@@ -14066,7 +13351,7 @@
               <a:t>Automated deployment of server component</a:t>
             </a:r>
             <a:br>
-              <a:rPr lang="en-US" dirty="0" smtClean="0">
+              <a:rPr lang="en-US" dirty="0">
                 <a:solidFill>
                   <a:srgbClr val="FFFFFF"/>
                 </a:solidFill>
@@ -14084,7 +13369,7 @@
               <a:buChar char="•"/>
             </a:pPr>
             <a:r>
-              <a:rPr lang="en-US" dirty="0" smtClean="0">
+              <a:rPr lang="en-US" dirty="0">
                 <a:solidFill>
                   <a:srgbClr val="FFFFFF"/>
                 </a:solidFill>
@@ -14109,7 +13394,7 @@
               <a:buChar char="•"/>
             </a:pPr>
             <a:r>
-              <a:rPr lang="en-US" dirty="0" smtClean="0">
+              <a:rPr lang="en-US" dirty="0">
                 <a:solidFill>
                   <a:srgbClr val="FFFFFF"/>
                 </a:solidFill>
@@ -14122,7 +13407,7 @@
               <a:buFont typeface="Arial"/>
               <a:buChar char="•"/>
             </a:pPr>
-            <a:endParaRPr lang="en-US" dirty="0" smtClean="0">
+            <a:endParaRPr lang="en-US" dirty="0">
               <a:solidFill>
                 <a:srgbClr val="FFFFFF"/>
               </a:solidFill>
@@ -14134,7 +13419,7 @@
               <a:buChar char="•"/>
             </a:pPr>
             <a:r>
-              <a:rPr lang="en-US" dirty="0" smtClean="0">
+              <a:rPr lang="en-US" dirty="0">
                 <a:solidFill>
                   <a:srgbClr val="FFFFFF"/>
                 </a:solidFill>
@@ -14142,14 +13427,14 @@
               <a:t>Cloud Connectors for auto</a:t>
             </a:r>
             <a:r>
-              <a:rPr lang="en-US" smtClean="0">
+              <a:rPr lang="en-US">
                 <a:solidFill>
                   <a:srgbClr val="FFFFFF"/>
                 </a:solidFill>
               </a:rPr>
               <a:t>-reconfiguration</a:t>
             </a:r>
-            <a:endParaRPr lang="en-US" dirty="0" smtClean="0">
+            <a:endParaRPr lang="en-US" dirty="0">
               <a:solidFill>
                 <a:srgbClr val="FFFFFF"/>
               </a:solidFill>
@@ -14191,21 +13476,6 @@
   <p:clrMapOvr>
     <a:masterClrMapping/>
   </p:clrMapOvr>
-  <mc:AlternateContent xmlns:mc="http://schemas.openxmlformats.org/markup-compatibility/2006" xmlns:p14="http://schemas.microsoft.com/office/powerpoint/2010/main">
-    <mc:Choice Requires="p14">
-      <p:transition spd="slow" p14:dur="2000"/>
-    </mc:Choice>
-    <mc:Fallback xmlns="">
-      <p:transition xmlns:p14="http://schemas.microsoft.com/office/powerpoint/2010/main" spd="slow"/>
-    </mc:Fallback>
-  </mc:AlternateContent>
-  <p:timing>
-    <p:tnLst>
-      <p:par>
-        <p:cTn xmlns:p14="http://schemas.microsoft.com/office/powerpoint/2010/main" id="1" dur="indefinite" restart="never" nodeType="tmRoot"/>
-      </p:par>
-    </p:tnLst>
-  </p:timing>
 </p:sld>
 </file>
 
@@ -14242,10 +13512,9 @@
           <a:lstStyle/>
           <a:p>
             <a:r>
-              <a:rPr lang="en-US" dirty="0" smtClean="0"/>
+              <a:rPr lang="en-US" dirty="0"/>
               <a:t>Spring Cloud: Client-side Load Balancing</a:t>
             </a:r>
-            <a:endParaRPr lang="en-US" dirty="0"/>
           </a:p>
         </p:txBody>
       </p:sp>
@@ -14265,95 +13534,71 @@
           <a:lstStyle/>
           <a:p>
             <a:r>
-              <a:rPr lang="en-US" sz="1800" b="1" dirty="0" smtClean="0"/>
+              <a:rPr lang="en-US" sz="1800" b="1" dirty="0"/>
               <a:t>Eureka </a:t>
             </a:r>
             <a:r>
-              <a:rPr lang="en-US" sz="1800" b="1" i="1" u="sng" dirty="0" smtClean="0"/>
+              <a:rPr lang="en-US" sz="1800" b="1" i="1" u="sng" dirty="0"/>
               <a:t>only</a:t>
             </a:r>
             <a:r>
-              <a:rPr lang="en-US" sz="1800" b="1" dirty="0" smtClean="0"/>
+              <a:rPr lang="en-US" sz="1800" b="1" dirty="0"/>
               <a:t> provides registry + discovery</a:t>
             </a:r>
             <a:br>
-              <a:rPr lang="en-US" sz="1800" b="1" dirty="0" smtClean="0"/>
+              <a:rPr lang="en-US" sz="1800" b="1" dirty="0"/>
             </a:br>
-            <a:endParaRPr lang="en-US" sz="1800" b="1" dirty="0" smtClean="0"/>
-          </a:p>
-          <a:p>
-            <a:r>
-              <a:rPr lang="en-US" sz="1800" b="1" dirty="0" smtClean="0"/>
-              <a:t>Ribbon </a:t>
-            </a:r>
+            <a:endParaRPr lang="en-US" sz="1800" b="1" dirty="0"/>
+          </a:p>
+          <a:p>
             <a:r>
               <a:rPr lang="en-US" sz="1800" b="1" dirty="0"/>
-              <a:t>is a </a:t>
+              <a:t>Ribbon is a </a:t>
             </a:r>
             <a:r>
               <a:rPr lang="en-US" sz="1800" b="1" i="1" u="sng" dirty="0"/>
-              <a:t>client side </a:t>
-            </a:r>
-            <a:r>
-              <a:rPr lang="en-US" sz="1800" b="1" i="1" u="sng" dirty="0" smtClean="0"/>
-              <a:t>LB </a:t>
-            </a:r>
-            <a:r>
-              <a:rPr lang="en-US" sz="1800" b="1" dirty="0" smtClean="0"/>
-              <a:t>providing </a:t>
+              <a:t>client side LB </a:t>
             </a:r>
             <a:r>
               <a:rPr lang="en-US" sz="1800" b="1" dirty="0"/>
-              <a:t>control over the </a:t>
-            </a:r>
-            <a:r>
-              <a:rPr lang="en-US" sz="1800" b="1" dirty="0" smtClean="0"/>
-              <a:t>behavior </a:t>
-            </a:r>
-            <a:r>
-              <a:rPr lang="en-US" sz="1800" b="1" dirty="0"/>
-              <a:t>of HTTP and TCP </a:t>
-            </a:r>
-            <a:r>
-              <a:rPr lang="en-US" sz="1800" b="1" dirty="0" smtClean="0"/>
-              <a:t>clients</a:t>
+              <a:t>providing control over the behavior of HTTP and TCP clients</a:t>
             </a:r>
           </a:p>
           <a:p>
             <a:pPr lvl="1"/>
             <a:r>
-              <a:rPr lang="en-US" sz="1400" dirty="0" smtClean="0"/>
+              <a:rPr lang="en-US" sz="1400" dirty="0"/>
               <a:t>Pick right LB algorithm for client application + extensible algorithms</a:t>
             </a:r>
           </a:p>
           <a:p>
             <a:pPr lvl="1"/>
             <a:r>
-              <a:rPr lang="en-US" sz="1400" dirty="0" smtClean="0"/>
+              <a:rPr lang="en-US" sz="1400" dirty="0"/>
               <a:t>At least 1 less hop for client requests</a:t>
             </a:r>
           </a:p>
           <a:p>
             <a:pPr lvl="1"/>
             <a:r>
-              <a:rPr lang="en-US" sz="1400" dirty="0" smtClean="0"/>
+              <a:rPr lang="en-US" sz="1400" dirty="0"/>
               <a:t>Cloud-aware patterns (zones, circuit breakers, etc.)</a:t>
             </a:r>
           </a:p>
           <a:p>
             <a:pPr lvl="1"/>
             <a:r>
-              <a:rPr lang="en-US" sz="1400" dirty="0" smtClean="0"/>
+              <a:rPr lang="en-US" sz="1400" dirty="0"/>
               <a:t>No additional setup, just deploy apps</a:t>
             </a:r>
             <a:endParaRPr lang="en-US" sz="1800" dirty="0"/>
           </a:p>
           <a:p>
-            <a:endParaRPr lang="is-IS" sz="1800" dirty="0" smtClean="0"/>
-          </a:p>
-          <a:p>
-            <a:r>
-              <a:rPr lang="is-IS" sz="1800" b="1" dirty="0" smtClean="0"/>
+            <a:endParaRPr lang="is-IS" sz="1800" dirty="0"/>
+          </a:p>
+          <a:p>
+            <a:r>
+              <a:rPr lang="is-IS" sz="1800" b="1" dirty="0"/>
               <a:t>Zuul is JVM-based router and proxy commonly paired with Ribbon to create API gateways and reverse proxies</a:t>
             </a:r>
           </a:p>
@@ -14369,13 +13614,6 @@
   <p:clrMapOvr>
     <a:masterClrMapping/>
   </p:clrMapOvr>
-  <p:timing>
-    <p:tnLst>
-      <p:par>
-        <p:cTn xmlns:p14="http://schemas.microsoft.com/office/powerpoint/2010/main" id="1" dur="indefinite" restart="never" nodeType="tmRoot"/>
-      </p:par>
-    </p:tnLst>
-  </p:timing>
 </p:sld>
 </file>
 
@@ -14412,10 +13650,9 @@
           <a:lstStyle/>
           <a:p>
             <a:r>
-              <a:rPr lang="en-US" dirty="0" smtClean="0"/>
+              <a:rPr lang="en-US" dirty="0"/>
               <a:t>Microservice API Gateways</a:t>
             </a:r>
-            <a:endParaRPr lang="en-US" dirty="0"/>
           </a:p>
         </p:txBody>
       </p:sp>
@@ -14467,30 +13704,14 @@
               <a:buNone/>
             </a:pPr>
             <a:r>
-              <a:rPr lang="en-US" sz="1800" dirty="0" smtClean="0">
+              <a:rPr lang="en-US" sz="1800" dirty="0">
                 <a:solidFill>
                   <a:srgbClr val="FFFFFF"/>
                 </a:solidFill>
               </a:rPr>
-              <a:t>Netflix uses Zuul</a:t>
-            </a:r>
-            <a:r>
-              <a:rPr lang="en-US" sz="1800" dirty="0">
-                <a:solidFill>
-                  <a:srgbClr val="FFFFFF"/>
-                </a:solidFill>
-              </a:rPr>
-              <a:t> </a:t>
-            </a:r>
-            <a:r>
-              <a:rPr lang="en-US" sz="1800" dirty="0" smtClean="0">
-                <a:solidFill>
-                  <a:srgbClr val="FFFFFF"/>
-                </a:solidFill>
-              </a:rPr>
-              <a:t>and Ribbon for</a:t>
-            </a:r>
-            <a:endParaRPr lang="en-US" sz="1800" dirty="0" smtClean="0">
+              <a:t>Netflix uses Zuul and Ribbon for</a:t>
+            </a:r>
+            <a:endParaRPr lang="en-US" sz="1800" dirty="0">
               <a:solidFill>
                 <a:srgbClr val="FFFFFF"/>
               </a:solidFill>
@@ -14500,20 +13721,15 @@
           <a:p>
             <a:pPr lvl="0"/>
             <a:r>
-              <a:rPr lang="en-US" sz="1800" dirty="0" smtClean="0"/>
+              <a:rPr lang="en-US" sz="1800" dirty="0"/>
               <a:t>Authentication</a:t>
             </a:r>
-            <a:endParaRPr lang="en-US" sz="1800" dirty="0"/>
           </a:p>
           <a:p>
             <a:pPr lvl="0"/>
             <a:r>
-              <a:rPr lang="en-US" sz="1800" dirty="0" smtClean="0"/>
-              <a:t>Stress </a:t>
-            </a:r>
-            <a:r>
               <a:rPr lang="en-US" sz="1800" dirty="0"/>
-              <a:t>Testing</a:t>
+              <a:t>Stress Testing</a:t>
             </a:r>
           </a:p>
           <a:p>
@@ -14562,13 +13778,8 @@
             <a:pPr lvl="0"/>
             <a:r>
               <a:rPr lang="en-US" sz="1800" dirty="0"/>
-              <a:t>Active/Active </a:t>
-            </a:r>
-            <a:r>
-              <a:rPr lang="en-US" sz="1800" dirty="0" smtClean="0"/>
-              <a:t>management</a:t>
-            </a:r>
-            <a:endParaRPr lang="en-US" sz="1800" dirty="0"/>
+              <a:t>Active/Active management</a:t>
+            </a:r>
           </a:p>
         </p:txBody>
       </p:sp>
@@ -14582,13 +13793,6 @@
   <p:clrMapOvr>
     <a:masterClrMapping/>
   </p:clrMapOvr>
-  <p:timing>
-    <p:tnLst>
-      <p:par>
-        <p:cTn xmlns:p14="http://schemas.microsoft.com/office/powerpoint/2010/main" id="1" dur="indefinite" restart="never" nodeType="tmRoot"/>
-      </p:par>
-    </p:tnLst>
-  </p:timing>
 </p:sld>
 </file>
 
